--- a/figure/mppa_architecture.pptx
+++ b/figure/mppa_architecture.pptx
@@ -10,7 +10,7 @@
   <p:sldIdLst>
     <p:sldId id="300" r:id="rId2"/>
   </p:sldIdLst>
-  <p:sldSz cx="17279938" cy="11557000"/>
+  <p:sldSz cx="17279938" cy="10477500"/>
   <p:notesSz cx="6742113" cy="9872663"/>
   <p:defaultTextStyle>
     <a:defPPr>
@@ -140,7 +140,7 @@
   <p:extLst>
     <p:ext uri="{EFAFB233-063F-42B5-8137-9DF3F51BA10A}">
       <p15:sldGuideLst xmlns:p15="http://schemas.microsoft.com/office/powerpoint/2012/main">
-        <p15:guide id="1" orient="horz" pos="3641" userDrawn="1">
+        <p15:guide id="1" orient="horz" pos="3301" userDrawn="1">
           <p15:clr>
             <a:srgbClr val="A4A3A4"/>
           </p15:clr>
@@ -369,8 +369,8 @@
         </p:nvSpPr>
         <p:spPr bwMode="auto">
           <a:xfrm>
-            <a:off x="604838" y="739775"/>
-            <a:ext cx="5537200" cy="3703638"/>
+            <a:off x="320675" y="739775"/>
+            <a:ext cx="6105525" cy="3703638"/>
           </a:xfrm>
           <a:prstGeom prst="rect">
             <a:avLst/>
@@ -860,8 +860,8 @@
         </p:nvSpPr>
         <p:spPr>
           <a:xfrm>
-            <a:off x="1296004" y="3590179"/>
-            <a:ext cx="14687948" cy="2477265"/>
+            <a:off x="1296004" y="3254833"/>
+            <a:ext cx="14687948" cy="2245872"/>
           </a:xfrm>
         </p:spPr>
         <p:txBody>
@@ -888,8 +888,8 @@
         </p:nvSpPr>
         <p:spPr>
           <a:xfrm>
-            <a:off x="2592008" y="6548973"/>
-            <a:ext cx="12095953" cy="2953455"/>
+            <a:off x="2592009" y="5937256"/>
+            <a:ext cx="12095953" cy="2677583"/>
           </a:xfrm>
         </p:spPr>
         <p:txBody>
@@ -1012,7 +1012,7 @@
           <a:p>
             <a:fld id="{E90ED720-0104-4369-84BC-D37694168613}" type="datetimeFigureOut">
               <a:rPr kumimoji="1" lang="ja-JP" altLang="en-US" smtClean="0"/>
-              <a:t>2017/2/8</a:t>
+              <a:t>2017/4/7</a:t>
             </a:fld>
             <a:endParaRPr kumimoji="1" lang="ja-JP" altLang="en-US"/>
           </a:p>
@@ -1214,7 +1214,7 @@
           <a:p>
             <a:fld id="{E90ED720-0104-4369-84BC-D37694168613}" type="datetimeFigureOut">
               <a:rPr kumimoji="1" lang="ja-JP" altLang="en-US" smtClean="0"/>
-              <a:t>2017/2/8</a:t>
+              <a:t>2017/4/7</a:t>
             </a:fld>
             <a:endParaRPr kumimoji="1" lang="ja-JP" altLang="en-US"/>
           </a:p>
@@ -1304,8 +1304,8 @@
         </p:nvSpPr>
         <p:spPr>
           <a:xfrm>
-            <a:off x="12527961" y="462847"/>
-            <a:ext cx="3887987" cy="9860903"/>
+            <a:off x="12527961" y="419614"/>
+            <a:ext cx="3887987" cy="8939830"/>
           </a:xfrm>
         </p:spPr>
         <p:txBody>
@@ -1332,8 +1332,8 @@
         </p:nvSpPr>
         <p:spPr>
           <a:xfrm>
-            <a:off x="864012" y="462847"/>
-            <a:ext cx="11375958" cy="9860903"/>
+            <a:off x="864012" y="419614"/>
+            <a:ext cx="11375958" cy="8939830"/>
           </a:xfrm>
         </p:spPr>
         <p:txBody>
@@ -1426,7 +1426,7 @@
           <a:p>
             <a:fld id="{E90ED720-0104-4369-84BC-D37694168613}" type="datetimeFigureOut">
               <a:rPr kumimoji="1" lang="ja-JP" altLang="en-US" smtClean="0"/>
-              <a:t>2017/2/8</a:t>
+              <a:t>2017/4/7</a:t>
             </a:fld>
             <a:endParaRPr kumimoji="1" lang="ja-JP" altLang="en-US"/>
           </a:p>
@@ -1628,7 +1628,7 @@
           <a:p>
             <a:fld id="{E90ED720-0104-4369-84BC-D37694168613}" type="datetimeFigureOut">
               <a:rPr kumimoji="1" lang="ja-JP" altLang="en-US" smtClean="0"/>
-              <a:t>2017/2/8</a:t>
+              <a:t>2017/4/7</a:t>
             </a:fld>
             <a:endParaRPr kumimoji="1" lang="ja-JP" altLang="en-US"/>
           </a:p>
@@ -1718,8 +1718,8 @@
         </p:nvSpPr>
         <p:spPr>
           <a:xfrm>
-            <a:off x="1365001" y="7426470"/>
-            <a:ext cx="14687948" cy="2295349"/>
+            <a:off x="1365001" y="6732789"/>
+            <a:ext cx="14687948" cy="2080948"/>
           </a:xfrm>
         </p:spPr>
         <p:txBody>
@@ -1750,8 +1750,8 @@
         </p:nvSpPr>
         <p:spPr>
           <a:xfrm>
-            <a:off x="1365001" y="4898371"/>
-            <a:ext cx="14687948" cy="2528094"/>
+            <a:off x="1365001" y="4440831"/>
+            <a:ext cx="14687948" cy="2291953"/>
           </a:xfrm>
         </p:spPr>
         <p:txBody>
@@ -1874,7 +1874,7 @@
           <a:p>
             <a:fld id="{E90ED720-0104-4369-84BC-D37694168613}" type="datetimeFigureOut">
               <a:rPr kumimoji="1" lang="ja-JP" altLang="en-US" smtClean="0"/>
-              <a:t>2017/2/8</a:t>
+              <a:t>2017/4/7</a:t>
             </a:fld>
             <a:endParaRPr kumimoji="1" lang="ja-JP" altLang="en-US"/>
           </a:p>
@@ -1987,8 +1987,8 @@
         </p:nvSpPr>
         <p:spPr>
           <a:xfrm>
-            <a:off x="864014" y="2696645"/>
-            <a:ext cx="7631975" cy="7627085"/>
+            <a:off x="864015" y="2444761"/>
+            <a:ext cx="7631975" cy="6914665"/>
           </a:xfrm>
         </p:spPr>
         <p:txBody>
@@ -2104,8 +2104,8 @@
         </p:nvSpPr>
         <p:spPr>
           <a:xfrm>
-            <a:off x="8783987" y="2696645"/>
-            <a:ext cx="7631975" cy="7627085"/>
+            <a:off x="8783988" y="2444761"/>
+            <a:ext cx="7631975" cy="6914665"/>
           </a:xfrm>
         </p:spPr>
         <p:txBody>
@@ -2226,7 +2226,7 @@
           <a:p>
             <a:fld id="{E90ED720-0104-4369-84BC-D37694168613}" type="datetimeFigureOut">
               <a:rPr kumimoji="1" lang="ja-JP" altLang="en-US" smtClean="0"/>
-              <a:t>2017/2/8</a:t>
+              <a:t>2017/4/7</a:t>
             </a:fld>
             <a:endParaRPr kumimoji="1" lang="ja-JP" altLang="en-US"/>
           </a:p>
@@ -2343,8 +2343,8 @@
         </p:nvSpPr>
         <p:spPr>
           <a:xfrm>
-            <a:off x="864008" y="2586962"/>
-            <a:ext cx="7634971" cy="1078117"/>
+            <a:off x="864009" y="2345323"/>
+            <a:ext cx="7634971" cy="977414"/>
           </a:xfrm>
         </p:spPr>
         <p:txBody>
@@ -2408,8 +2408,8 @@
         </p:nvSpPr>
         <p:spPr>
           <a:xfrm>
-            <a:off x="864008" y="3665073"/>
-            <a:ext cx="7634971" cy="6658651"/>
+            <a:off x="864009" y="3322732"/>
+            <a:ext cx="7634971" cy="6036689"/>
           </a:xfrm>
         </p:spPr>
         <p:txBody>
@@ -2525,8 +2525,8 @@
         </p:nvSpPr>
         <p:spPr>
           <a:xfrm>
-            <a:off x="8777973" y="2586962"/>
-            <a:ext cx="7637972" cy="1078117"/>
+            <a:off x="8777973" y="2345323"/>
+            <a:ext cx="7637972" cy="977414"/>
           </a:xfrm>
         </p:spPr>
         <p:txBody>
@@ -2590,8 +2590,8 @@
         </p:nvSpPr>
         <p:spPr>
           <a:xfrm>
-            <a:off x="8777973" y="3665073"/>
-            <a:ext cx="7637972" cy="6658651"/>
+            <a:off x="8777973" y="3322732"/>
+            <a:ext cx="7637972" cy="6036689"/>
           </a:xfrm>
         </p:spPr>
         <p:txBody>
@@ -2712,7 +2712,7 @@
           <a:p>
             <a:fld id="{E90ED720-0104-4369-84BC-D37694168613}" type="datetimeFigureOut">
               <a:rPr kumimoji="1" lang="ja-JP" altLang="en-US" smtClean="0"/>
-              <a:t>2017/2/8</a:t>
+              <a:t>2017/4/7</a:t>
             </a:fld>
             <a:endParaRPr kumimoji="1" lang="ja-JP" altLang="en-US"/>
           </a:p>
@@ -2830,7 +2830,7 @@
           <a:p>
             <a:fld id="{E90ED720-0104-4369-84BC-D37694168613}" type="datetimeFigureOut">
               <a:rPr kumimoji="1" lang="ja-JP" altLang="en-US" smtClean="0"/>
-              <a:t>2017/2/8</a:t>
+              <a:t>2017/4/7</a:t>
             </a:fld>
             <a:endParaRPr kumimoji="1" lang="ja-JP" altLang="en-US"/>
           </a:p>
@@ -2925,7 +2925,7 @@
           <a:p>
             <a:fld id="{E90ED720-0104-4369-84BC-D37694168613}" type="datetimeFigureOut">
               <a:rPr kumimoji="1" lang="ja-JP" altLang="en-US" smtClean="0"/>
-              <a:t>2017/2/8</a:t>
+              <a:t>2017/4/7</a:t>
             </a:fld>
             <a:endParaRPr kumimoji="1" lang="ja-JP" altLang="en-US"/>
           </a:p>
@@ -3015,8 +3015,8 @@
         </p:nvSpPr>
         <p:spPr>
           <a:xfrm>
-            <a:off x="864002" y="460155"/>
-            <a:ext cx="5684980" cy="1958270"/>
+            <a:off x="864002" y="417173"/>
+            <a:ext cx="5684980" cy="1775355"/>
           </a:xfrm>
         </p:spPr>
         <p:txBody>
@@ -3047,8 +3047,8 @@
         </p:nvSpPr>
         <p:spPr>
           <a:xfrm>
-            <a:off x="6755984" y="460156"/>
-            <a:ext cx="9659965" cy="9863579"/>
+            <a:off x="6755985" y="417175"/>
+            <a:ext cx="9659965" cy="8942256"/>
           </a:xfrm>
         </p:spPr>
         <p:txBody>
@@ -3164,8 +3164,8 @@
         </p:nvSpPr>
         <p:spPr>
           <a:xfrm>
-            <a:off x="864002" y="2418415"/>
-            <a:ext cx="5684980" cy="7905310"/>
+            <a:off x="864002" y="2192519"/>
+            <a:ext cx="5684980" cy="7166902"/>
           </a:xfrm>
         </p:spPr>
         <p:txBody>
@@ -3234,7 +3234,7 @@
           <a:p>
             <a:fld id="{E90ED720-0104-4369-84BC-D37694168613}" type="datetimeFigureOut">
               <a:rPr kumimoji="1" lang="ja-JP" altLang="en-US" smtClean="0"/>
-              <a:t>2017/2/8</a:t>
+              <a:t>2017/4/7</a:t>
             </a:fld>
             <a:endParaRPr kumimoji="1" lang="ja-JP" altLang="en-US"/>
           </a:p>
@@ -3324,8 +3324,8 @@
         </p:nvSpPr>
         <p:spPr>
           <a:xfrm>
-            <a:off x="3387001" y="8089906"/>
-            <a:ext cx="10367963" cy="955059"/>
+            <a:off x="3387002" y="7334256"/>
+            <a:ext cx="10367963" cy="865850"/>
           </a:xfrm>
         </p:spPr>
         <p:txBody>
@@ -3356,8 +3356,8 @@
         </p:nvSpPr>
         <p:spPr>
           <a:xfrm>
-            <a:off x="3387001" y="1032658"/>
-            <a:ext cx="10367963" cy="6934200"/>
+            <a:off x="3387002" y="936201"/>
+            <a:ext cx="10367963" cy="6286500"/>
           </a:xfrm>
         </p:spPr>
         <p:txBody>
@@ -3417,8 +3417,8 @@
         </p:nvSpPr>
         <p:spPr>
           <a:xfrm>
-            <a:off x="3387001" y="9044976"/>
-            <a:ext cx="10367963" cy="1356342"/>
+            <a:off x="3387002" y="8200115"/>
+            <a:ext cx="10367963" cy="1229651"/>
           </a:xfrm>
         </p:spPr>
         <p:txBody>
@@ -3487,7 +3487,7 @@
           <a:p>
             <a:fld id="{E90ED720-0104-4369-84BC-D37694168613}" type="datetimeFigureOut">
               <a:rPr kumimoji="1" lang="ja-JP" altLang="en-US" smtClean="0"/>
-              <a:t>2017/2/8</a:t>
+              <a:t>2017/4/7</a:t>
             </a:fld>
             <a:endParaRPr kumimoji="1" lang="ja-JP" altLang="en-US"/>
           </a:p>
@@ -3582,8 +3582,8 @@
         </p:nvSpPr>
         <p:spPr>
           <a:xfrm>
-            <a:off x="864012" y="462821"/>
-            <a:ext cx="15551948" cy="1926167"/>
+            <a:off x="864012" y="419591"/>
+            <a:ext cx="15551948" cy="1746250"/>
           </a:xfrm>
           <a:prstGeom prst="rect">
             <a:avLst/>
@@ -3615,8 +3615,8 @@
         </p:nvSpPr>
         <p:spPr>
           <a:xfrm>
-            <a:off x="864012" y="2696645"/>
-            <a:ext cx="15551948" cy="7627085"/>
+            <a:off x="864012" y="2444761"/>
+            <a:ext cx="15551948" cy="6914665"/>
           </a:xfrm>
           <a:prstGeom prst="rect">
             <a:avLst/>
@@ -3709,8 +3709,8 @@
         </p:nvSpPr>
         <p:spPr>
           <a:xfrm>
-            <a:off x="864010" y="10711657"/>
-            <a:ext cx="4031985" cy="615303"/>
+            <a:off x="864011" y="9711118"/>
+            <a:ext cx="4031985" cy="557830"/>
           </a:xfrm>
           <a:prstGeom prst="rect">
             <a:avLst/>
@@ -3732,7 +3732,7 @@
           <a:p>
             <a:fld id="{E90ED720-0104-4369-84BC-D37694168613}" type="datetimeFigureOut">
               <a:rPr kumimoji="1" lang="ja-JP" altLang="en-US" smtClean="0"/>
-              <a:t>2017/2/8</a:t>
+              <a:t>2017/4/7</a:t>
             </a:fld>
             <a:endParaRPr kumimoji="1" lang="ja-JP" altLang="en-US"/>
           </a:p>
@@ -3750,8 +3750,8 @@
         </p:nvSpPr>
         <p:spPr>
           <a:xfrm>
-            <a:off x="5903996" y="10711657"/>
-            <a:ext cx="5471985" cy="615303"/>
+            <a:off x="5903997" y="9711118"/>
+            <a:ext cx="5471985" cy="557830"/>
           </a:xfrm>
           <a:prstGeom prst="rect">
             <a:avLst/>
@@ -3787,8 +3787,8 @@
         </p:nvSpPr>
         <p:spPr>
           <a:xfrm>
-            <a:off x="12383973" y="10711657"/>
-            <a:ext cx="4031985" cy="615303"/>
+            <a:off x="12383974" y="9711118"/>
+            <a:ext cx="4031985" cy="557830"/>
           </a:xfrm>
           <a:prstGeom prst="rect">
             <a:avLst/>
@@ -4115,7 +4115,7 @@
         </p:nvSpPr>
         <p:spPr bwMode="auto">
           <a:xfrm>
-            <a:off x="139336" y="6357438"/>
+            <a:off x="139337" y="5817688"/>
             <a:ext cx="7368611" cy="4297864"/>
           </a:xfrm>
           <a:prstGeom prst="rect">
@@ -4168,7 +4168,7 @@
         </p:nvSpPr>
         <p:spPr bwMode="auto">
           <a:xfrm>
-            <a:off x="276496" y="7276850"/>
+            <a:off x="276497" y="6737101"/>
             <a:ext cx="7027321" cy="3058413"/>
           </a:xfrm>
           <a:prstGeom prst="rect">
@@ -4226,7 +4226,7 @@
         </p:nvSpPr>
         <p:spPr>
           <a:xfrm rot="10800000">
-            <a:off x="8521331" y="1553693"/>
+            <a:off x="8521331" y="1013944"/>
             <a:ext cx="8500628" cy="6733179"/>
           </a:xfrm>
           <a:prstGeom prst="corner">
@@ -4284,7 +4284,7 @@
         </p:nvSpPr>
         <p:spPr>
           <a:xfrm>
-            <a:off x="8521342" y="3303474"/>
+            <a:off x="8521343" y="2763725"/>
             <a:ext cx="8500627" cy="6781803"/>
           </a:xfrm>
           <a:prstGeom prst="corner">
@@ -4342,7 +4342,7 @@
         </p:nvSpPr>
         <p:spPr bwMode="auto">
           <a:xfrm>
-            <a:off x="455149" y="901704"/>
+            <a:off x="455149" y="361955"/>
             <a:ext cx="6503270" cy="4742931"/>
           </a:xfrm>
           <a:prstGeom prst="rect">
@@ -4397,7 +4397,7 @@
         </p:nvSpPr>
         <p:spPr bwMode="auto">
           <a:xfrm>
-            <a:off x="8931230" y="1962990"/>
+            <a:off x="8931230" y="1423240"/>
             <a:ext cx="6256076" cy="1152000"/>
           </a:xfrm>
           <a:prstGeom prst="rect">
@@ -4591,7 +4591,7 @@
         </p:nvSpPr>
         <p:spPr bwMode="auto">
           <a:xfrm rot="5400000">
-            <a:off x="12862316" y="4514301"/>
+            <a:off x="12862316" y="3974551"/>
             <a:ext cx="6256076" cy="1152000"/>
           </a:xfrm>
           <a:prstGeom prst="rect">
@@ -4783,7 +4783,7 @@
         </p:nvGrpSpPr>
         <p:grpSpPr>
           <a:xfrm>
-            <a:off x="10315453" y="3386283"/>
+            <a:off x="10315453" y="2846534"/>
             <a:ext cx="4873534" cy="4832069"/>
             <a:chOff x="3789683" y="2312215"/>
             <a:chExt cx="4873535" cy="4832069"/>
@@ -9520,7 +9520,7 @@
         </p:nvSpPr>
         <p:spPr bwMode="auto">
           <a:xfrm rot="16200000">
-            <a:off x="6390999" y="5938309"/>
+            <a:off x="6390999" y="5398559"/>
             <a:ext cx="6256076" cy="1152000"/>
           </a:xfrm>
           <a:prstGeom prst="rect">
@@ -9714,7 +9714,7 @@
         </p:nvSpPr>
         <p:spPr bwMode="auto">
           <a:xfrm>
-            <a:off x="10322087" y="8491131"/>
+            <a:off x="10322087" y="7951381"/>
             <a:ext cx="6256076" cy="1152000"/>
           </a:xfrm>
           <a:prstGeom prst="rect">
@@ -9906,7 +9906,7 @@
         </p:nvGrpSpPr>
         <p:grpSpPr>
           <a:xfrm rot="10800000">
-            <a:off x="13825174" y="8587503"/>
+            <a:off x="13825174" y="8047753"/>
             <a:ext cx="2632598" cy="959258"/>
             <a:chOff x="2523988" y="281840"/>
             <a:chExt cx="2632598" cy="959258"/>
@@ -10071,7 +10071,7 @@
         </p:nvGrpSpPr>
         <p:grpSpPr>
           <a:xfrm rot="5400000">
-            <a:off x="14668454" y="2915488"/>
+            <a:off x="14668454" y="2375738"/>
             <a:ext cx="2632598" cy="959258"/>
             <a:chOff x="2523988" y="281840"/>
             <a:chExt cx="2632598" cy="959258"/>
@@ -10212,7 +10212,7 @@
         </p:nvGrpSpPr>
         <p:grpSpPr>
           <a:xfrm rot="16200000">
-            <a:off x="8215285" y="7736532"/>
+            <a:off x="8215285" y="7196782"/>
             <a:ext cx="2632598" cy="959258"/>
             <a:chOff x="2523988" y="281840"/>
             <a:chExt cx="2632598" cy="959258"/>
@@ -10353,7 +10353,7 @@
         </p:nvGrpSpPr>
         <p:grpSpPr>
           <a:xfrm>
-            <a:off x="9049753" y="2053769"/>
+            <a:off x="9049753" y="1514020"/>
             <a:ext cx="6015292" cy="970675"/>
             <a:chOff x="2523991" y="979702"/>
             <a:chExt cx="6015292" cy="970675"/>
@@ -10663,7 +10663,7 @@
         </p:nvGrpSpPr>
         <p:grpSpPr>
           <a:xfrm rot="5400000">
-            <a:off x="14349613" y="5979660"/>
+            <a:off x="14349613" y="5439910"/>
             <a:ext cx="3281480" cy="970436"/>
             <a:chOff x="5410204" y="1132341"/>
             <a:chExt cx="3281479" cy="970436"/>
@@ -10804,7 +10804,7 @@
         </p:nvGrpSpPr>
         <p:grpSpPr>
           <a:xfrm>
-            <a:off x="10430180" y="8577381"/>
+            <a:off x="10430180" y="8037631"/>
             <a:ext cx="3281480" cy="970436"/>
             <a:chOff x="5410204" y="1132341"/>
             <a:chExt cx="3281479" cy="970436"/>
@@ -10959,7 +10959,7 @@
         </p:nvGrpSpPr>
         <p:grpSpPr>
           <a:xfrm rot="16200000">
-            <a:off x="7896522" y="4652594"/>
+            <a:off x="7896522" y="4112844"/>
             <a:ext cx="3281480" cy="970436"/>
             <a:chOff x="5410204" y="1132341"/>
             <a:chExt cx="3281479" cy="970436"/>
@@ -11100,7 +11100,7 @@
         </p:nvSpPr>
         <p:spPr bwMode="auto">
           <a:xfrm rot="16200000">
-            <a:off x="11838438" y="-173338"/>
+            <a:off x="11838439" y="-713088"/>
             <a:ext cx="441665" cy="3895707"/>
           </a:xfrm>
           <a:prstGeom prst="rect">
@@ -11156,7 +11156,7 @@
         </p:nvSpPr>
         <p:spPr bwMode="auto">
           <a:xfrm rot="16200000">
-            <a:off x="13229301" y="7916591"/>
+            <a:off x="13229302" y="7376842"/>
             <a:ext cx="441665" cy="3895707"/>
           </a:xfrm>
           <a:prstGeom prst="rect">
@@ -11212,7 +11212,7 @@
         </p:nvSpPr>
         <p:spPr bwMode="auto">
           <a:xfrm>
-            <a:off x="16580305" y="3142454"/>
+            <a:off x="16580306" y="2602705"/>
             <a:ext cx="441665" cy="3895707"/>
           </a:xfrm>
           <a:prstGeom prst="rect">
@@ -11268,7 +11268,7 @@
         </p:nvSpPr>
         <p:spPr bwMode="auto">
           <a:xfrm rot="10800000">
-            <a:off x="8510893" y="4566463"/>
+            <a:off x="8510894" y="4026714"/>
             <a:ext cx="441665" cy="3895707"/>
           </a:xfrm>
           <a:prstGeom prst="rect">
@@ -11324,7 +11324,7 @@
         </p:nvSpPr>
         <p:spPr bwMode="auto">
           <a:xfrm rot="16200000">
-            <a:off x="12576777" y="8512874"/>
+            <a:off x="12576778" y="7973125"/>
             <a:ext cx="441665" cy="3895707"/>
           </a:xfrm>
           <a:prstGeom prst="rect">
@@ -11380,7 +11380,7 @@
         </p:nvSpPr>
         <p:spPr bwMode="auto">
           <a:xfrm rot="5400000" flipV="1">
-            <a:off x="12534357" y="-768983"/>
+            <a:off x="12534358" y="-1308733"/>
             <a:ext cx="441665" cy="3895707"/>
           </a:xfrm>
           <a:prstGeom prst="rect">
@@ -11436,7 +11436,7 @@
         </p:nvCxnSpPr>
         <p:spPr bwMode="auto">
           <a:xfrm>
-            <a:off x="6958419" y="901708"/>
+            <a:off x="6958419" y="361959"/>
             <a:ext cx="4862402" cy="1177117"/>
           </a:xfrm>
           <a:prstGeom prst="line">
@@ -11476,7 +11476,7 @@
         </p:nvCxnSpPr>
         <p:spPr bwMode="auto">
           <a:xfrm flipV="1">
-            <a:off x="6997053" y="2492225"/>
+            <a:off x="6997053" y="1952476"/>
             <a:ext cx="4800124" cy="3152413"/>
           </a:xfrm>
           <a:prstGeom prst="line">
@@ -11516,7 +11516,7 @@
         </p:nvSpPr>
         <p:spPr bwMode="auto">
           <a:xfrm>
-            <a:off x="649843" y="1722798"/>
+            <a:off x="649844" y="1183049"/>
             <a:ext cx="6100207" cy="3700679"/>
           </a:xfrm>
           <a:prstGeom prst="rect">
@@ -11576,7 +11576,7 @@
         </p:nvSpPr>
         <p:spPr bwMode="auto">
           <a:xfrm>
-            <a:off x="900520" y="3868441"/>
+            <a:off x="900520" y="3328692"/>
             <a:ext cx="5577340" cy="394331"/>
           </a:xfrm>
           <a:prstGeom prst="rect">
@@ -11771,7 +11771,7 @@
         </p:nvSpPr>
         <p:spPr bwMode="auto">
           <a:xfrm>
-            <a:off x="572733" y="944089"/>
+            <a:off x="572734" y="404340"/>
             <a:ext cx="6248719" cy="671357"/>
           </a:xfrm>
           <a:prstGeom prst="rect">
@@ -11991,7 +11991,7 @@
         </p:nvGrpSpPr>
         <p:grpSpPr>
           <a:xfrm>
-            <a:off x="900527" y="1918203"/>
+            <a:off x="900528" y="1378454"/>
             <a:ext cx="1254009" cy="1811335"/>
             <a:chOff x="767265" y="4407221"/>
             <a:chExt cx="1254009" cy="1811335"/>
@@ -12409,7 +12409,7 @@
         </p:nvSpPr>
         <p:spPr bwMode="auto">
           <a:xfrm>
-            <a:off x="899794" y="4401672"/>
+            <a:off x="899795" y="3861922"/>
             <a:ext cx="5578075" cy="840582"/>
           </a:xfrm>
           <a:prstGeom prst="rect">
@@ -12602,7 +12602,7 @@
         </p:nvGrpSpPr>
         <p:grpSpPr>
           <a:xfrm>
-            <a:off x="2343291" y="1918203"/>
+            <a:off x="2343292" y="1378454"/>
             <a:ext cx="1254009" cy="1811335"/>
             <a:chOff x="767265" y="4407221"/>
             <a:chExt cx="1254009" cy="1811335"/>
@@ -13018,7 +13018,7 @@
         </p:nvGrpSpPr>
         <p:grpSpPr>
           <a:xfrm>
-            <a:off x="3786052" y="1918203"/>
+            <a:off x="3786053" y="1378454"/>
             <a:ext cx="1254009" cy="1811335"/>
             <a:chOff x="767265" y="4407221"/>
             <a:chExt cx="1254009" cy="1811335"/>
@@ -13434,7 +13434,7 @@
         </p:nvGrpSpPr>
         <p:grpSpPr>
           <a:xfrm>
-            <a:off x="5228813" y="1918203"/>
+            <a:off x="5228814" y="1378454"/>
             <a:ext cx="1254009" cy="1811335"/>
             <a:chOff x="767265" y="4407221"/>
             <a:chExt cx="1254009" cy="1811335"/>
@@ -13852,7 +13852,7 @@
         </p:nvSpPr>
         <p:spPr bwMode="auto">
           <a:xfrm>
-            <a:off x="2037617" y="6688467"/>
+            <a:off x="2037618" y="6148717"/>
             <a:ext cx="3520727" cy="309234"/>
           </a:xfrm>
           <a:prstGeom prst="rect">
@@ -14070,7 +14070,7 @@
         </p:nvGrpSpPr>
         <p:grpSpPr>
           <a:xfrm>
-            <a:off x="408880" y="7639376"/>
+            <a:off x="408881" y="7099627"/>
             <a:ext cx="1608767" cy="2397391"/>
             <a:chOff x="542131" y="7685269"/>
             <a:chExt cx="1608767" cy="2397391"/>
@@ -15171,7 +15171,7 @@
         </p:nvCxnSpPr>
         <p:spPr bwMode="auto">
           <a:xfrm flipV="1">
-            <a:off x="7518902" y="2582778"/>
+            <a:off x="7518902" y="2043029"/>
             <a:ext cx="4278276" cy="3774665"/>
           </a:xfrm>
           <a:prstGeom prst="line">
@@ -15211,7 +15211,7 @@
         </p:nvCxnSpPr>
         <p:spPr bwMode="auto">
           <a:xfrm flipV="1">
-            <a:off x="7515478" y="3012785"/>
+            <a:off x="7515478" y="2473035"/>
             <a:ext cx="4305344" cy="7642518"/>
           </a:xfrm>
           <a:prstGeom prst="line">
@@ -15251,7 +15251,7 @@
         </p:nvGrpSpPr>
         <p:grpSpPr>
           <a:xfrm>
-            <a:off x="2131539" y="7639380"/>
+            <a:off x="2131540" y="7099631"/>
             <a:ext cx="1608767" cy="2397391"/>
             <a:chOff x="542131" y="7685269"/>
             <a:chExt cx="1608767" cy="2397391"/>
@@ -16352,7 +16352,7 @@
         </p:nvGrpSpPr>
         <p:grpSpPr>
           <a:xfrm>
-            <a:off x="3854193" y="7639380"/>
+            <a:off x="3854194" y="7099631"/>
             <a:ext cx="1608767" cy="2397391"/>
             <a:chOff x="542131" y="7685269"/>
             <a:chExt cx="1608767" cy="2397391"/>
@@ -17453,7 +17453,7 @@
         </p:nvGrpSpPr>
         <p:grpSpPr>
           <a:xfrm>
-            <a:off x="5576850" y="7639380"/>
+            <a:off x="5576851" y="7099631"/>
             <a:ext cx="1608767" cy="2397391"/>
             <a:chOff x="542131" y="7685269"/>
             <a:chExt cx="1608767" cy="2397391"/>

--- a/figure/mppa_architecture.pptx
+++ b/figure/mppa_architecture.pptx
@@ -1012,7 +1012,7 @@
           <a:p>
             <a:fld id="{E90ED720-0104-4369-84BC-D37694168613}" type="datetimeFigureOut">
               <a:rPr kumimoji="1" lang="ja-JP" altLang="en-US" smtClean="0"/>
-              <a:t>2017/4/7</a:t>
+              <a:t>2017/4/8</a:t>
             </a:fld>
             <a:endParaRPr kumimoji="1" lang="ja-JP" altLang="en-US"/>
           </a:p>
@@ -1214,7 +1214,7 @@
           <a:p>
             <a:fld id="{E90ED720-0104-4369-84BC-D37694168613}" type="datetimeFigureOut">
               <a:rPr kumimoji="1" lang="ja-JP" altLang="en-US" smtClean="0"/>
-              <a:t>2017/4/7</a:t>
+              <a:t>2017/4/8</a:t>
             </a:fld>
             <a:endParaRPr kumimoji="1" lang="ja-JP" altLang="en-US"/>
           </a:p>
@@ -1426,7 +1426,7 @@
           <a:p>
             <a:fld id="{E90ED720-0104-4369-84BC-D37694168613}" type="datetimeFigureOut">
               <a:rPr kumimoji="1" lang="ja-JP" altLang="en-US" smtClean="0"/>
-              <a:t>2017/4/7</a:t>
+              <a:t>2017/4/8</a:t>
             </a:fld>
             <a:endParaRPr kumimoji="1" lang="ja-JP" altLang="en-US"/>
           </a:p>
@@ -1628,7 +1628,7 @@
           <a:p>
             <a:fld id="{E90ED720-0104-4369-84BC-D37694168613}" type="datetimeFigureOut">
               <a:rPr kumimoji="1" lang="ja-JP" altLang="en-US" smtClean="0"/>
-              <a:t>2017/4/7</a:t>
+              <a:t>2017/4/8</a:t>
             </a:fld>
             <a:endParaRPr kumimoji="1" lang="ja-JP" altLang="en-US"/>
           </a:p>
@@ -1874,7 +1874,7 @@
           <a:p>
             <a:fld id="{E90ED720-0104-4369-84BC-D37694168613}" type="datetimeFigureOut">
               <a:rPr kumimoji="1" lang="ja-JP" altLang="en-US" smtClean="0"/>
-              <a:t>2017/4/7</a:t>
+              <a:t>2017/4/8</a:t>
             </a:fld>
             <a:endParaRPr kumimoji="1" lang="ja-JP" altLang="en-US"/>
           </a:p>
@@ -2226,7 +2226,7 @@
           <a:p>
             <a:fld id="{E90ED720-0104-4369-84BC-D37694168613}" type="datetimeFigureOut">
               <a:rPr kumimoji="1" lang="ja-JP" altLang="en-US" smtClean="0"/>
-              <a:t>2017/4/7</a:t>
+              <a:t>2017/4/8</a:t>
             </a:fld>
             <a:endParaRPr kumimoji="1" lang="ja-JP" altLang="en-US"/>
           </a:p>
@@ -2712,7 +2712,7 @@
           <a:p>
             <a:fld id="{E90ED720-0104-4369-84BC-D37694168613}" type="datetimeFigureOut">
               <a:rPr kumimoji="1" lang="ja-JP" altLang="en-US" smtClean="0"/>
-              <a:t>2017/4/7</a:t>
+              <a:t>2017/4/8</a:t>
             </a:fld>
             <a:endParaRPr kumimoji="1" lang="ja-JP" altLang="en-US"/>
           </a:p>
@@ -2830,7 +2830,7 @@
           <a:p>
             <a:fld id="{E90ED720-0104-4369-84BC-D37694168613}" type="datetimeFigureOut">
               <a:rPr kumimoji="1" lang="ja-JP" altLang="en-US" smtClean="0"/>
-              <a:t>2017/4/7</a:t>
+              <a:t>2017/4/8</a:t>
             </a:fld>
             <a:endParaRPr kumimoji="1" lang="ja-JP" altLang="en-US"/>
           </a:p>
@@ -2925,7 +2925,7 @@
           <a:p>
             <a:fld id="{E90ED720-0104-4369-84BC-D37694168613}" type="datetimeFigureOut">
               <a:rPr kumimoji="1" lang="ja-JP" altLang="en-US" smtClean="0"/>
-              <a:t>2017/4/7</a:t>
+              <a:t>2017/4/8</a:t>
             </a:fld>
             <a:endParaRPr kumimoji="1" lang="ja-JP" altLang="en-US"/>
           </a:p>
@@ -3234,7 +3234,7 @@
           <a:p>
             <a:fld id="{E90ED720-0104-4369-84BC-D37694168613}" type="datetimeFigureOut">
               <a:rPr kumimoji="1" lang="ja-JP" altLang="en-US" smtClean="0"/>
-              <a:t>2017/4/7</a:t>
+              <a:t>2017/4/8</a:t>
             </a:fld>
             <a:endParaRPr kumimoji="1" lang="ja-JP" altLang="en-US"/>
           </a:p>
@@ -3487,7 +3487,7 @@
           <a:p>
             <a:fld id="{E90ED720-0104-4369-84BC-D37694168613}" type="datetimeFigureOut">
               <a:rPr kumimoji="1" lang="ja-JP" altLang="en-US" smtClean="0"/>
-              <a:t>2017/4/7</a:t>
+              <a:t>2017/4/8</a:t>
             </a:fld>
             <a:endParaRPr kumimoji="1" lang="ja-JP" altLang="en-US"/>
           </a:p>
@@ -3732,7 +3732,7 @@
           <a:p>
             <a:fld id="{E90ED720-0104-4369-84BC-D37694168613}" type="datetimeFigureOut">
               <a:rPr kumimoji="1" lang="ja-JP" altLang="en-US" smtClean="0"/>
-              <a:t>2017/4/7</a:t>
+              <a:t>2017/4/8</a:t>
             </a:fld>
             <a:endParaRPr kumimoji="1" lang="ja-JP" altLang="en-US"/>
           </a:p>
@@ -10425,11 +10425,11 @@
                   </a:spcBef>
                 </a:pPr>
                 <a:r>
-                  <a:rPr lang="en-US" altLang="ja-JP" dirty="0" smtClean="0">
+                  <a:rPr kumimoji="1" lang="en-US" altLang="ja-JP" dirty="0" smtClean="0">
                     <a:latin typeface="Meiryo UI" panose="020B0604030504040204" pitchFamily="50" charset="-128"/>
                     <a:ea typeface="Meiryo UI" panose="020B0604030504040204" pitchFamily="50" charset="-128"/>
                   </a:rPr>
-                  <a:t>Resource Manager (RM)</a:t>
+                  <a:t>IO cores</a:t>
                 </a:r>
                 <a:endParaRPr kumimoji="1" lang="ja-JP" altLang="en-US" dirty="0" smtClean="0">
                   <a:latin typeface="Meiryo UI" panose="020B0604030504040204" pitchFamily="50" charset="-128"/>
@@ -10645,7 +10645,14 @@
                   <a:latin typeface="Meiryo UI" panose="020B0604030504040204" pitchFamily="50" charset="-128"/>
                   <a:ea typeface="Meiryo UI" panose="020B0604030504040204" pitchFamily="50" charset="-128"/>
                 </a:rPr>
-                <a:t>Network interface</a:t>
+                <a:t>NoC </a:t>
+              </a:r>
+              <a:r>
+                <a:rPr lang="en-US" altLang="ja-JP" dirty="0" smtClean="0">
+                  <a:latin typeface="Meiryo UI" panose="020B0604030504040204" pitchFamily="50" charset="-128"/>
+                  <a:ea typeface="Meiryo UI" panose="020B0604030504040204" pitchFamily="50" charset="-128"/>
+                </a:rPr>
+                <a:t>interface</a:t>
               </a:r>
               <a:endParaRPr kumimoji="1" lang="ja-JP" altLang="en-US" dirty="0" smtClean="0">
                 <a:latin typeface="Meiryo UI" panose="020B0604030504040204" pitchFamily="50" charset="-128"/>
@@ -10723,7 +10730,7 @@
                   <a:latin typeface="Meiryo UI" panose="020B0604030504040204" pitchFamily="50" charset="-128"/>
                   <a:ea typeface="Meiryo UI" panose="020B0604030504040204" pitchFamily="50" charset="-128"/>
                 </a:rPr>
-                <a:t>Resource Manager (RM)</a:t>
+                <a:t>IO cores</a:t>
               </a:r>
               <a:endParaRPr kumimoji="1" lang="ja-JP" altLang="en-US" dirty="0" smtClean="0">
                 <a:latin typeface="Meiryo UI" panose="020B0604030504040204" pitchFamily="50" charset="-128"/>
@@ -10786,7 +10793,14 @@
                   <a:latin typeface="Meiryo UI" panose="020B0604030504040204" pitchFamily="50" charset="-128"/>
                   <a:ea typeface="Meiryo UI" panose="020B0604030504040204" pitchFamily="50" charset="-128"/>
                 </a:rPr>
-                <a:t>Network interface</a:t>
+                <a:t>NoC </a:t>
+              </a:r>
+              <a:r>
+                <a:rPr lang="en-US" altLang="ja-JP" dirty="0" smtClean="0">
+                  <a:latin typeface="Meiryo UI" panose="020B0604030504040204" pitchFamily="50" charset="-128"/>
+                  <a:ea typeface="Meiryo UI" panose="020B0604030504040204" pitchFamily="50" charset="-128"/>
+                </a:rPr>
+                <a:t>interface</a:t>
               </a:r>
               <a:endParaRPr kumimoji="1" lang="ja-JP" altLang="en-US" dirty="0" smtClean="0">
                 <a:latin typeface="Meiryo UI" panose="020B0604030504040204" pitchFamily="50" charset="-128"/>
@@ -10860,11 +10874,11 @@
                 </a:spcBef>
               </a:pPr>
               <a:r>
-                <a:rPr lang="en-US" altLang="ja-JP" dirty="0">
+                <a:rPr lang="en-US" altLang="ja-JP" dirty="0" smtClean="0">
                   <a:latin typeface="Meiryo UI" panose="020B0604030504040204" pitchFamily="50" charset="-128"/>
                   <a:ea typeface="Meiryo UI" panose="020B0604030504040204" pitchFamily="50" charset="-128"/>
                 </a:rPr>
-                <a:t>Network </a:t>
+                <a:t>NoC </a:t>
               </a:r>
               <a:r>
                 <a:rPr lang="en-US" altLang="ja-JP" dirty="0" smtClean="0">
@@ -10930,18 +10944,11 @@
                 </a:spcBef>
               </a:pPr>
               <a:r>
-                <a:rPr lang="en-US" altLang="ja-JP" dirty="0">
-                  <a:latin typeface="Meiryo UI" panose="020B0604030504040204" pitchFamily="50" charset="-128"/>
-                  <a:ea typeface="Meiryo UI" panose="020B0604030504040204" pitchFamily="50" charset="-128"/>
-                </a:rPr>
-                <a:t>Resource </a:t>
-              </a:r>
-              <a:r>
                 <a:rPr lang="en-US" altLang="ja-JP" dirty="0" smtClean="0">
                   <a:latin typeface="Meiryo UI" panose="020B0604030504040204" pitchFamily="50" charset="-128"/>
                   <a:ea typeface="Meiryo UI" panose="020B0604030504040204" pitchFamily="50" charset="-128"/>
                 </a:rPr>
-                <a:t>Manager (RM)</a:t>
+                <a:t>IO cores</a:t>
               </a:r>
               <a:endParaRPr lang="ja-JP" altLang="en-US" dirty="0">
                 <a:latin typeface="Meiryo UI" panose="020B0604030504040204" pitchFamily="50" charset="-128"/>
@@ -11019,7 +11026,7 @@
                   <a:latin typeface="Meiryo UI" panose="020B0604030504040204" pitchFamily="50" charset="-128"/>
                   <a:ea typeface="Meiryo UI" panose="020B0604030504040204" pitchFamily="50" charset="-128"/>
                 </a:rPr>
-                <a:t>Resource Manager (RM)</a:t>
+                <a:t>IO cores</a:t>
               </a:r>
               <a:endParaRPr kumimoji="1" lang="ja-JP" altLang="en-US" dirty="0" smtClean="0">
                 <a:latin typeface="Meiryo UI" panose="020B0604030504040204" pitchFamily="50" charset="-128"/>
@@ -11082,7 +11089,14 @@
                   <a:latin typeface="Meiryo UI" panose="020B0604030504040204" pitchFamily="50" charset="-128"/>
                   <a:ea typeface="Meiryo UI" panose="020B0604030504040204" pitchFamily="50" charset="-128"/>
                 </a:rPr>
-                <a:t>Network interface</a:t>
+                <a:t>NoC </a:t>
+              </a:r>
+              <a:r>
+                <a:rPr lang="en-US" altLang="ja-JP" dirty="0" smtClean="0">
+                  <a:latin typeface="Meiryo UI" panose="020B0604030504040204" pitchFamily="50" charset="-128"/>
+                  <a:ea typeface="Meiryo UI" panose="020B0604030504040204" pitchFamily="50" charset="-128"/>
+                </a:rPr>
+                <a:t>interface</a:t>
               </a:r>
               <a:endParaRPr kumimoji="1" lang="ja-JP" altLang="en-US" dirty="0" smtClean="0">
                 <a:latin typeface="Meiryo UI" panose="020B0604030504040204" pitchFamily="50" charset="-128"/>
@@ -11966,13 +11980,13 @@
           <a:p>
             <a:pPr algn="ctr"/>
             <a:r>
-              <a:rPr lang="en-US" altLang="ja-JP" b="1" kern="0" dirty="0">
+              <a:rPr lang="en-US" altLang="ja-JP" b="1" kern="0" dirty="0" smtClean="0">
                 <a:solidFill>
                   <a:schemeClr val="tx1"/>
                 </a:solidFill>
                 <a:ea typeface="Meiryo UI" panose="020B0604030504040204" pitchFamily="50" charset="-128"/>
               </a:rPr>
-              <a:t>Resource Manager (RM)</a:t>
+              <a:t>IO cores</a:t>
             </a:r>
             <a:endParaRPr lang="ja-JP" altLang="en-US" b="1" kern="0" dirty="0">
               <a:solidFill>
@@ -12377,12 +12391,20 @@
             <a:p>
               <a:pPr algn="ctr"/>
               <a:r>
+                <a:rPr lang="en-US" altLang="ja-JP" sz="2400" b="1" kern="0" dirty="0" smtClean="0">
+                  <a:solidFill>
+                    <a:schemeClr val="tx1"/>
+                  </a:solidFill>
+                </a:rPr>
+                <a:t>IO </a:t>
+              </a:r>
+              <a:r>
                 <a:rPr lang="en-US" altLang="ja-JP" sz="2400" b="1" kern="0" dirty="0">
                   <a:solidFill>
                     <a:schemeClr val="tx1"/>
                   </a:solidFill>
                 </a:rPr>
-                <a:t>RM 0</a:t>
+                <a:t>0</a:t>
               </a:r>
             </a:p>
             <a:p>
@@ -12988,12 +13010,20 @@
             <a:p>
               <a:pPr algn="ctr"/>
               <a:r>
+                <a:rPr lang="en-US" altLang="ja-JP" sz="2400" b="1" kern="0" dirty="0" smtClean="0">
+                  <a:solidFill>
+                    <a:schemeClr val="tx1"/>
+                  </a:solidFill>
+                </a:rPr>
+                <a:t>IO </a:t>
+              </a:r>
+              <a:r>
                 <a:rPr lang="en-US" altLang="ja-JP" sz="2400" b="1" kern="0" dirty="0">
                   <a:solidFill>
                     <a:schemeClr val="tx1"/>
                   </a:solidFill>
                 </a:rPr>
-                <a:t>RM 1</a:t>
+                <a:t>1</a:t>
               </a:r>
             </a:p>
             <a:p>
@@ -13404,12 +13434,20 @@
             <a:p>
               <a:pPr algn="ctr"/>
               <a:r>
+                <a:rPr lang="en-US" altLang="ja-JP" sz="2400" b="1" kern="0" dirty="0" smtClean="0">
+                  <a:solidFill>
+                    <a:schemeClr val="tx1"/>
+                  </a:solidFill>
+                </a:rPr>
+                <a:t>IO </a:t>
+              </a:r>
+              <a:r>
                 <a:rPr lang="en-US" altLang="ja-JP" sz="2400" b="1" kern="0" dirty="0">
                   <a:solidFill>
                     <a:schemeClr val="tx1"/>
                   </a:solidFill>
                 </a:rPr>
-                <a:t>RM 2</a:t>
+                <a:t>2</a:t>
               </a:r>
             </a:p>
             <a:p>
@@ -13820,12 +13858,20 @@
             <a:p>
               <a:pPr algn="ctr"/>
               <a:r>
+                <a:rPr lang="en-US" altLang="ja-JP" sz="2400" b="1" kern="0" dirty="0" smtClean="0">
+                  <a:solidFill>
+                    <a:schemeClr val="tx1"/>
+                  </a:solidFill>
+                </a:rPr>
+                <a:t>IO </a:t>
+              </a:r>
+              <a:r>
                 <a:rPr lang="en-US" altLang="ja-JP" sz="2400" b="1" kern="0" dirty="0">
                   <a:solidFill>
                     <a:schemeClr val="tx1"/>
                   </a:solidFill>
                 </a:rPr>
-                <a:t>RM 3</a:t>
+                <a:t>3</a:t>
               </a:r>
             </a:p>
             <a:p>
@@ -14047,12 +14093,20 @@
           <a:p>
             <a:pPr algn="ctr"/>
             <a:r>
+              <a:rPr lang="en-US" altLang="ja-JP" b="1" kern="0" dirty="0" smtClean="0">
+                <a:solidFill>
+                  <a:schemeClr val="tx1"/>
+                </a:solidFill>
+              </a:rPr>
+              <a:t>NoC </a:t>
+            </a:r>
+            <a:r>
               <a:rPr lang="en-US" altLang="ja-JP" b="1" kern="0" dirty="0">
                 <a:solidFill>
                   <a:schemeClr val="tx1"/>
                 </a:solidFill>
               </a:rPr>
-              <a:t>Network Interface</a:t>
+              <a:t>Interface</a:t>
             </a:r>
             <a:endParaRPr lang="ja-JP" altLang="en-US" b="1" kern="0" dirty="0">
               <a:solidFill>

--- a/figure/mppa_architecture.pptx
+++ b/figure/mppa_architecture.pptx
@@ -1012,7 +1012,7 @@
           <a:p>
             <a:fld id="{E90ED720-0104-4369-84BC-D37694168613}" type="datetimeFigureOut">
               <a:rPr kumimoji="1" lang="ja-JP" altLang="en-US" smtClean="0"/>
-              <a:t>2017/6/25</a:t>
+              <a:t>2017/6/28</a:t>
             </a:fld>
             <a:endParaRPr kumimoji="1" lang="ja-JP" altLang="en-US"/>
           </a:p>
@@ -1214,7 +1214,7 @@
           <a:p>
             <a:fld id="{E90ED720-0104-4369-84BC-D37694168613}" type="datetimeFigureOut">
               <a:rPr kumimoji="1" lang="ja-JP" altLang="en-US" smtClean="0"/>
-              <a:t>2017/6/25</a:t>
+              <a:t>2017/6/28</a:t>
             </a:fld>
             <a:endParaRPr kumimoji="1" lang="ja-JP" altLang="en-US"/>
           </a:p>
@@ -1426,7 +1426,7 @@
           <a:p>
             <a:fld id="{E90ED720-0104-4369-84BC-D37694168613}" type="datetimeFigureOut">
               <a:rPr kumimoji="1" lang="ja-JP" altLang="en-US" smtClean="0"/>
-              <a:t>2017/6/25</a:t>
+              <a:t>2017/6/28</a:t>
             </a:fld>
             <a:endParaRPr kumimoji="1" lang="ja-JP" altLang="en-US"/>
           </a:p>
@@ -1628,7 +1628,7 @@
           <a:p>
             <a:fld id="{E90ED720-0104-4369-84BC-D37694168613}" type="datetimeFigureOut">
               <a:rPr kumimoji="1" lang="ja-JP" altLang="en-US" smtClean="0"/>
-              <a:t>2017/6/25</a:t>
+              <a:t>2017/6/28</a:t>
             </a:fld>
             <a:endParaRPr kumimoji="1" lang="ja-JP" altLang="en-US"/>
           </a:p>
@@ -1874,7 +1874,7 @@
           <a:p>
             <a:fld id="{E90ED720-0104-4369-84BC-D37694168613}" type="datetimeFigureOut">
               <a:rPr kumimoji="1" lang="ja-JP" altLang="en-US" smtClean="0"/>
-              <a:t>2017/6/25</a:t>
+              <a:t>2017/6/28</a:t>
             </a:fld>
             <a:endParaRPr kumimoji="1" lang="ja-JP" altLang="en-US"/>
           </a:p>
@@ -2226,7 +2226,7 @@
           <a:p>
             <a:fld id="{E90ED720-0104-4369-84BC-D37694168613}" type="datetimeFigureOut">
               <a:rPr kumimoji="1" lang="ja-JP" altLang="en-US" smtClean="0"/>
-              <a:t>2017/6/25</a:t>
+              <a:t>2017/6/28</a:t>
             </a:fld>
             <a:endParaRPr kumimoji="1" lang="ja-JP" altLang="en-US"/>
           </a:p>
@@ -2712,7 +2712,7 @@
           <a:p>
             <a:fld id="{E90ED720-0104-4369-84BC-D37694168613}" type="datetimeFigureOut">
               <a:rPr kumimoji="1" lang="ja-JP" altLang="en-US" smtClean="0"/>
-              <a:t>2017/6/25</a:t>
+              <a:t>2017/6/28</a:t>
             </a:fld>
             <a:endParaRPr kumimoji="1" lang="ja-JP" altLang="en-US"/>
           </a:p>
@@ -2830,7 +2830,7 @@
           <a:p>
             <a:fld id="{E90ED720-0104-4369-84BC-D37694168613}" type="datetimeFigureOut">
               <a:rPr kumimoji="1" lang="ja-JP" altLang="en-US" smtClean="0"/>
-              <a:t>2017/6/25</a:t>
+              <a:t>2017/6/28</a:t>
             </a:fld>
             <a:endParaRPr kumimoji="1" lang="ja-JP" altLang="en-US"/>
           </a:p>
@@ -2925,7 +2925,7 @@
           <a:p>
             <a:fld id="{E90ED720-0104-4369-84BC-D37694168613}" type="datetimeFigureOut">
               <a:rPr kumimoji="1" lang="ja-JP" altLang="en-US" smtClean="0"/>
-              <a:t>2017/6/25</a:t>
+              <a:t>2017/6/28</a:t>
             </a:fld>
             <a:endParaRPr kumimoji="1" lang="ja-JP" altLang="en-US"/>
           </a:p>
@@ -3234,7 +3234,7 @@
           <a:p>
             <a:fld id="{E90ED720-0104-4369-84BC-D37694168613}" type="datetimeFigureOut">
               <a:rPr kumimoji="1" lang="ja-JP" altLang="en-US" smtClean="0"/>
-              <a:t>2017/6/25</a:t>
+              <a:t>2017/6/28</a:t>
             </a:fld>
             <a:endParaRPr kumimoji="1" lang="ja-JP" altLang="en-US"/>
           </a:p>
@@ -3487,7 +3487,7 @@
           <a:p>
             <a:fld id="{E90ED720-0104-4369-84BC-D37694168613}" type="datetimeFigureOut">
               <a:rPr kumimoji="1" lang="ja-JP" altLang="en-US" smtClean="0"/>
-              <a:t>2017/6/25</a:t>
+              <a:t>2017/6/28</a:t>
             </a:fld>
             <a:endParaRPr kumimoji="1" lang="ja-JP" altLang="en-US"/>
           </a:p>
@@ -3732,7 +3732,7 @@
           <a:p>
             <a:fld id="{E90ED720-0104-4369-84BC-D37694168613}" type="datetimeFigureOut">
               <a:rPr kumimoji="1" lang="ja-JP" altLang="en-US" smtClean="0"/>
-              <a:t>2017/6/25</a:t>
+              <a:t>2017/6/28</a:t>
             </a:fld>
             <a:endParaRPr kumimoji="1" lang="ja-JP" altLang="en-US"/>
           </a:p>
@@ -9796,7 +9796,7 @@
                 </a:spcBef>
               </a:pPr>
               <a:r>
-                <a:rPr lang="en-US" altLang="ja-JP" dirty="0" smtClean="0">
+                <a:rPr lang="en-US" altLang="ja-JP" sz="2400" dirty="0" smtClean="0">
                   <a:latin typeface="Meiryo UI" panose="020B0604030504040204" pitchFamily="50" charset="-128"/>
                   <a:ea typeface="Meiryo UI" panose="020B0604030504040204" pitchFamily="50" charset="-128"/>
                 </a:rPr>
@@ -9813,20 +9813,20 @@
                 </a:spcBef>
               </a:pPr>
               <a:r>
-                <a:rPr lang="en-US" altLang="ja-JP" dirty="0">
+                <a:rPr lang="en-US" altLang="ja-JP" sz="2400" dirty="0">
                   <a:latin typeface="Meiryo UI" panose="020B0604030504040204" pitchFamily="50" charset="-128"/>
                   <a:ea typeface="Meiryo UI" panose="020B0604030504040204" pitchFamily="50" charset="-128"/>
                 </a:rPr>
                 <a:t>2</a:t>
               </a:r>
               <a:r>
-                <a:rPr kumimoji="1" lang="en-US" altLang="ja-JP" dirty="0" smtClean="0">
+                <a:rPr kumimoji="1" lang="en-US" altLang="ja-JP" sz="2400" dirty="0" smtClean="0">
                   <a:latin typeface="Meiryo UI" panose="020B0604030504040204" pitchFamily="50" charset="-128"/>
                   <a:ea typeface="Meiryo UI" panose="020B0604030504040204" pitchFamily="50" charset="-128"/>
                 </a:rPr>
                 <a:t>GB</a:t>
               </a:r>
-              <a:endParaRPr kumimoji="1" lang="ja-JP" altLang="en-US" dirty="0" smtClean="0">
+              <a:endParaRPr kumimoji="1" lang="ja-JP" altLang="en-US" sz="2400" dirty="0" smtClean="0">
                 <a:latin typeface="Meiryo UI" panose="020B0604030504040204" pitchFamily="50" charset="-128"/>
                 <a:ea typeface="Meiryo UI" panose="020B0604030504040204" pitchFamily="50" charset="-128"/>
               </a:endParaRPr>
@@ -9883,13 +9883,13 @@
                 </a:spcBef>
               </a:pPr>
               <a:r>
-                <a:rPr lang="en-US" altLang="ja-JP" dirty="0" err="1" smtClean="0">
+                <a:rPr lang="en-US" altLang="ja-JP" sz="2400" dirty="0" err="1" smtClean="0">
                   <a:latin typeface="Meiryo UI" panose="020B0604030504040204" pitchFamily="50" charset="-128"/>
                   <a:ea typeface="Meiryo UI" panose="020B0604030504040204" pitchFamily="50" charset="-128"/>
                 </a:rPr>
                 <a:t>PCIe</a:t>
               </a:r>
-              <a:endParaRPr kumimoji="1" lang="ja-JP" altLang="en-US" dirty="0" smtClean="0">
+              <a:endParaRPr kumimoji="1" lang="ja-JP" altLang="en-US" sz="2400" dirty="0" smtClean="0">
                 <a:latin typeface="Meiryo UI" panose="020B0604030504040204" pitchFamily="50" charset="-128"/>
                 <a:ea typeface="Meiryo UI" panose="020B0604030504040204" pitchFamily="50" charset="-128"/>
               </a:endParaRPr>
@@ -9961,13 +9961,13 @@
                 </a:spcBef>
               </a:pPr>
               <a:r>
-                <a:rPr lang="en-US" altLang="ja-JP" dirty="0" smtClean="0">
+                <a:rPr lang="en-US" altLang="ja-JP" sz="2000" dirty="0" smtClean="0">
                   <a:latin typeface="Meiryo UI" panose="020B0604030504040204" pitchFamily="50" charset="-128"/>
                   <a:ea typeface="Meiryo UI" panose="020B0604030504040204" pitchFamily="50" charset="-128"/>
                 </a:rPr>
                 <a:t>Ethernet</a:t>
               </a:r>
-              <a:endParaRPr kumimoji="1" lang="ja-JP" altLang="en-US" dirty="0" smtClean="0">
+              <a:endParaRPr kumimoji="1" lang="ja-JP" altLang="en-US" sz="2000" dirty="0" smtClean="0">
                 <a:latin typeface="Meiryo UI" panose="020B0604030504040204" pitchFamily="50" charset="-128"/>
                 <a:ea typeface="Meiryo UI" panose="020B0604030504040204" pitchFamily="50" charset="-128"/>
               </a:endParaRPr>
@@ -10024,13 +10024,13 @@
                 </a:spcBef>
               </a:pPr>
               <a:r>
-                <a:rPr lang="en-US" altLang="ja-JP" dirty="0" err="1" smtClean="0">
+                <a:rPr lang="en-US" altLang="ja-JP" sz="2400" dirty="0" err="1" smtClean="0">
                   <a:latin typeface="Meiryo UI" panose="020B0604030504040204" pitchFamily="50" charset="-128"/>
                   <a:ea typeface="Meiryo UI" panose="020B0604030504040204" pitchFamily="50" charset="-128"/>
                 </a:rPr>
                 <a:t>PCIe</a:t>
               </a:r>
-              <a:endParaRPr kumimoji="1" lang="ja-JP" altLang="en-US" dirty="0" smtClean="0">
+              <a:endParaRPr kumimoji="1" lang="ja-JP" altLang="en-US" sz="2400" dirty="0" smtClean="0">
                 <a:latin typeface="Meiryo UI" panose="020B0604030504040204" pitchFamily="50" charset="-128"/>
                 <a:ea typeface="Meiryo UI" panose="020B0604030504040204" pitchFamily="50" charset="-128"/>
               </a:endParaRPr>
@@ -10102,13 +10102,13 @@
                 </a:spcBef>
               </a:pPr>
               <a:r>
-                <a:rPr lang="en-US" altLang="ja-JP" dirty="0" smtClean="0">
+                <a:rPr lang="en-US" altLang="ja-JP" sz="2000" dirty="0" smtClean="0">
                   <a:latin typeface="Meiryo UI" panose="020B0604030504040204" pitchFamily="50" charset="-128"/>
                   <a:ea typeface="Meiryo UI" panose="020B0604030504040204" pitchFamily="50" charset="-128"/>
                 </a:rPr>
                 <a:t>Ethernet</a:t>
               </a:r>
-              <a:endParaRPr kumimoji="1" lang="ja-JP" altLang="en-US" dirty="0" smtClean="0">
+              <a:endParaRPr kumimoji="1" lang="ja-JP" altLang="en-US" sz="2000" dirty="0" smtClean="0">
                 <a:latin typeface="Meiryo UI" panose="020B0604030504040204" pitchFamily="50" charset="-128"/>
                 <a:ea typeface="Meiryo UI" panose="020B0604030504040204" pitchFamily="50" charset="-128"/>
               </a:endParaRPr>
@@ -10165,13 +10165,13 @@
                 </a:spcBef>
               </a:pPr>
               <a:r>
-                <a:rPr lang="en-US" altLang="ja-JP" dirty="0" err="1" smtClean="0">
+                <a:rPr lang="en-US" altLang="ja-JP" sz="2400" dirty="0" err="1" smtClean="0">
                   <a:latin typeface="Meiryo UI" panose="020B0604030504040204" pitchFamily="50" charset="-128"/>
                   <a:ea typeface="Meiryo UI" panose="020B0604030504040204" pitchFamily="50" charset="-128"/>
                 </a:rPr>
                 <a:t>PCIe</a:t>
               </a:r>
-              <a:endParaRPr kumimoji="1" lang="ja-JP" altLang="en-US" dirty="0" smtClean="0">
+              <a:endParaRPr kumimoji="1" lang="ja-JP" altLang="en-US" sz="2400" dirty="0" smtClean="0">
                 <a:latin typeface="Meiryo UI" panose="020B0604030504040204" pitchFamily="50" charset="-128"/>
                 <a:ea typeface="Meiryo UI" panose="020B0604030504040204" pitchFamily="50" charset="-128"/>
               </a:endParaRPr>
@@ -10256,13 +10256,13 @@
                   </a:spcBef>
                 </a:pPr>
                 <a:r>
-                  <a:rPr kumimoji="1" lang="en-US" altLang="ja-JP" dirty="0" smtClean="0">
+                  <a:rPr kumimoji="1" lang="en-US" altLang="ja-JP" sz="2400" dirty="0" smtClean="0">
                     <a:latin typeface="Meiryo UI" panose="020B0604030504040204" pitchFamily="50" charset="-128"/>
                     <a:ea typeface="Meiryo UI" panose="020B0604030504040204" pitchFamily="50" charset="-128"/>
                   </a:rPr>
                   <a:t>IO cores</a:t>
                 </a:r>
-                <a:endParaRPr kumimoji="1" lang="ja-JP" altLang="en-US" dirty="0" smtClean="0">
+                <a:endParaRPr kumimoji="1" lang="ja-JP" altLang="en-US" sz="2400" dirty="0" smtClean="0">
                   <a:latin typeface="Meiryo UI" panose="020B0604030504040204" pitchFamily="50" charset="-128"/>
                   <a:ea typeface="Meiryo UI" panose="020B0604030504040204" pitchFamily="50" charset="-128"/>
                 </a:endParaRPr>
@@ -10319,7 +10319,7 @@
                   </a:spcBef>
                 </a:pPr>
                 <a:r>
-                  <a:rPr lang="en-US" altLang="ja-JP" dirty="0" smtClean="0">
+                  <a:rPr lang="en-US" altLang="ja-JP" sz="2400" dirty="0" smtClean="0">
                     <a:latin typeface="Meiryo UI" panose="020B0604030504040204" pitchFamily="50" charset="-128"/>
                     <a:ea typeface="Meiryo UI" panose="020B0604030504040204" pitchFamily="50" charset="-128"/>
                   </a:rPr>
@@ -10336,20 +10336,20 @@
                   </a:spcBef>
                 </a:pPr>
                 <a:r>
-                  <a:rPr lang="en-US" altLang="ja-JP" dirty="0">
+                  <a:rPr lang="en-US" altLang="ja-JP" sz="2400" dirty="0">
                     <a:latin typeface="Meiryo UI" panose="020B0604030504040204" pitchFamily="50" charset="-128"/>
                     <a:ea typeface="Meiryo UI" panose="020B0604030504040204" pitchFamily="50" charset="-128"/>
                   </a:rPr>
                   <a:t>2</a:t>
                 </a:r>
                 <a:r>
-                  <a:rPr kumimoji="1" lang="en-US" altLang="ja-JP" dirty="0" smtClean="0">
+                  <a:rPr kumimoji="1" lang="en-US" altLang="ja-JP" sz="2400" dirty="0" smtClean="0">
                     <a:latin typeface="Meiryo UI" panose="020B0604030504040204" pitchFamily="50" charset="-128"/>
                     <a:ea typeface="Meiryo UI" panose="020B0604030504040204" pitchFamily="50" charset="-128"/>
                   </a:rPr>
                   <a:t>GB</a:t>
                 </a:r>
-                <a:endParaRPr kumimoji="1" lang="ja-JP" altLang="en-US" dirty="0" smtClean="0">
+                <a:endParaRPr kumimoji="1" lang="ja-JP" altLang="en-US" sz="2400" dirty="0" smtClean="0">
                   <a:latin typeface="Meiryo UI" panose="020B0604030504040204" pitchFamily="50" charset="-128"/>
                   <a:ea typeface="Meiryo UI" panose="020B0604030504040204" pitchFamily="50" charset="-128"/>
                 </a:endParaRPr>
@@ -10406,13 +10406,13 @@
                   </a:spcBef>
                 </a:pPr>
                 <a:r>
-                  <a:rPr lang="en-US" altLang="ja-JP" dirty="0" err="1" smtClean="0">
+                  <a:rPr lang="en-US" altLang="ja-JP" sz="2400" dirty="0" err="1" smtClean="0">
                     <a:latin typeface="Meiryo UI" panose="020B0604030504040204" pitchFamily="50" charset="-128"/>
                     <a:ea typeface="Meiryo UI" panose="020B0604030504040204" pitchFamily="50" charset="-128"/>
                   </a:rPr>
                   <a:t>PCIe</a:t>
                 </a:r>
-                <a:endParaRPr kumimoji="1" lang="ja-JP" altLang="en-US" dirty="0" smtClean="0">
+                <a:endParaRPr kumimoji="1" lang="ja-JP" altLang="en-US" sz="2400" dirty="0" smtClean="0">
                   <a:latin typeface="Meiryo UI" panose="020B0604030504040204" pitchFamily="50" charset="-128"/>
                   <a:ea typeface="Meiryo UI" panose="020B0604030504040204" pitchFamily="50" charset="-128"/>
                 </a:endParaRPr>
@@ -10469,13 +10469,13 @@
                 </a:spcBef>
               </a:pPr>
               <a:r>
-                <a:rPr lang="en-US" altLang="ja-JP" dirty="0" smtClean="0">
+                <a:rPr lang="en-US" altLang="ja-JP" sz="2400" dirty="0" smtClean="0">
                   <a:latin typeface="Meiryo UI" panose="020B0604030504040204" pitchFamily="50" charset="-128"/>
                   <a:ea typeface="Meiryo UI" panose="020B0604030504040204" pitchFamily="50" charset="-128"/>
                 </a:rPr>
                 <a:t>NoC interface</a:t>
               </a:r>
-              <a:endParaRPr kumimoji="1" lang="ja-JP" altLang="en-US" dirty="0" smtClean="0">
+              <a:endParaRPr kumimoji="1" lang="ja-JP" altLang="en-US" sz="2400" dirty="0" smtClean="0">
                 <a:latin typeface="Meiryo UI" panose="020B0604030504040204" pitchFamily="50" charset="-128"/>
                 <a:ea typeface="Meiryo UI" panose="020B0604030504040204" pitchFamily="50" charset="-128"/>
               </a:endParaRPr>
@@ -10547,13 +10547,13 @@
                 </a:spcBef>
               </a:pPr>
               <a:r>
-                <a:rPr lang="en-US" altLang="ja-JP" dirty="0" smtClean="0">
+                <a:rPr lang="en-US" altLang="ja-JP" sz="2400" dirty="0" smtClean="0">
                   <a:latin typeface="Meiryo UI" panose="020B0604030504040204" pitchFamily="50" charset="-128"/>
                   <a:ea typeface="Meiryo UI" panose="020B0604030504040204" pitchFamily="50" charset="-128"/>
                 </a:rPr>
                 <a:t>IO cores</a:t>
               </a:r>
-              <a:endParaRPr kumimoji="1" lang="ja-JP" altLang="en-US" dirty="0" smtClean="0">
+              <a:endParaRPr kumimoji="1" lang="ja-JP" altLang="en-US" sz="2400" dirty="0" smtClean="0">
                 <a:latin typeface="Meiryo UI" panose="020B0604030504040204" pitchFamily="50" charset="-128"/>
                 <a:ea typeface="Meiryo UI" panose="020B0604030504040204" pitchFamily="50" charset="-128"/>
               </a:endParaRPr>
@@ -10610,13 +10610,13 @@
                 </a:spcBef>
               </a:pPr>
               <a:r>
-                <a:rPr lang="en-US" altLang="ja-JP" dirty="0" smtClean="0">
+                <a:rPr lang="en-US" altLang="ja-JP" sz="2400" dirty="0" smtClean="0">
                   <a:latin typeface="Meiryo UI" panose="020B0604030504040204" pitchFamily="50" charset="-128"/>
                   <a:ea typeface="Meiryo UI" panose="020B0604030504040204" pitchFamily="50" charset="-128"/>
                 </a:rPr>
                 <a:t>NoC interface</a:t>
               </a:r>
-              <a:endParaRPr kumimoji="1" lang="ja-JP" altLang="en-US" dirty="0" smtClean="0">
+              <a:endParaRPr kumimoji="1" lang="ja-JP" altLang="en-US" sz="2400" dirty="0" smtClean="0">
                 <a:latin typeface="Meiryo UI" panose="020B0604030504040204" pitchFamily="50" charset="-128"/>
                 <a:ea typeface="Meiryo UI" panose="020B0604030504040204" pitchFamily="50" charset="-128"/>
               </a:endParaRPr>
@@ -10688,13 +10688,13 @@
                 </a:spcBef>
               </a:pPr>
               <a:r>
-                <a:rPr lang="en-US" altLang="ja-JP" dirty="0" smtClean="0">
+                <a:rPr lang="en-US" altLang="ja-JP" sz="2400" dirty="0" smtClean="0">
                   <a:latin typeface="Meiryo UI" panose="020B0604030504040204" pitchFamily="50" charset="-128"/>
                   <a:ea typeface="Meiryo UI" panose="020B0604030504040204" pitchFamily="50" charset="-128"/>
                 </a:rPr>
                 <a:t>NoC interface</a:t>
               </a:r>
-              <a:endParaRPr lang="ja-JP" altLang="en-US" dirty="0">
+              <a:endParaRPr lang="ja-JP" altLang="en-US" sz="2400" dirty="0">
                 <a:latin typeface="Meiryo UI" panose="020B0604030504040204" pitchFamily="50" charset="-128"/>
                 <a:ea typeface="Meiryo UI" panose="020B0604030504040204" pitchFamily="50" charset="-128"/>
               </a:endParaRPr>
@@ -10751,13 +10751,13 @@
                 </a:spcBef>
               </a:pPr>
               <a:r>
-                <a:rPr lang="en-US" altLang="ja-JP" dirty="0" smtClean="0">
+                <a:rPr lang="en-US" altLang="ja-JP" sz="2400" dirty="0" smtClean="0">
                   <a:latin typeface="Meiryo UI" panose="020B0604030504040204" pitchFamily="50" charset="-128"/>
                   <a:ea typeface="Meiryo UI" panose="020B0604030504040204" pitchFamily="50" charset="-128"/>
                 </a:rPr>
                 <a:t>IO cores</a:t>
               </a:r>
-              <a:endParaRPr lang="ja-JP" altLang="en-US" dirty="0">
+              <a:endParaRPr lang="ja-JP" altLang="en-US" sz="2400" dirty="0">
                 <a:latin typeface="Meiryo UI" panose="020B0604030504040204" pitchFamily="50" charset="-128"/>
                 <a:ea typeface="Meiryo UI" panose="020B0604030504040204" pitchFamily="50" charset="-128"/>
               </a:endParaRPr>
@@ -10829,13 +10829,13 @@
                 </a:spcBef>
               </a:pPr>
               <a:r>
-                <a:rPr lang="en-US" altLang="ja-JP" dirty="0" smtClean="0">
+                <a:rPr lang="en-US" altLang="ja-JP" sz="2400" dirty="0" smtClean="0">
                   <a:latin typeface="Meiryo UI" panose="020B0604030504040204" pitchFamily="50" charset="-128"/>
                   <a:ea typeface="Meiryo UI" panose="020B0604030504040204" pitchFamily="50" charset="-128"/>
                 </a:rPr>
                 <a:t>IO cores</a:t>
               </a:r>
-              <a:endParaRPr kumimoji="1" lang="ja-JP" altLang="en-US" dirty="0" smtClean="0">
+              <a:endParaRPr kumimoji="1" lang="ja-JP" altLang="en-US" sz="2400" dirty="0" smtClean="0">
                 <a:latin typeface="Meiryo UI" panose="020B0604030504040204" pitchFamily="50" charset="-128"/>
                 <a:ea typeface="Meiryo UI" panose="020B0604030504040204" pitchFamily="50" charset="-128"/>
               </a:endParaRPr>
@@ -10892,13 +10892,13 @@
                 </a:spcBef>
               </a:pPr>
               <a:r>
-                <a:rPr lang="en-US" altLang="ja-JP" dirty="0" smtClean="0">
+                <a:rPr lang="en-US" altLang="ja-JP" sz="2400" dirty="0" smtClean="0">
                   <a:latin typeface="Meiryo UI" panose="020B0604030504040204" pitchFamily="50" charset="-128"/>
                   <a:ea typeface="Meiryo UI" panose="020B0604030504040204" pitchFamily="50" charset="-128"/>
                 </a:rPr>
                 <a:t>NoC interface</a:t>
               </a:r>
-              <a:endParaRPr kumimoji="1" lang="ja-JP" altLang="en-US" dirty="0" smtClean="0">
+              <a:endParaRPr kumimoji="1" lang="ja-JP" altLang="en-US" sz="2400" dirty="0" smtClean="0">
                 <a:latin typeface="Meiryo UI" panose="020B0604030504040204" pitchFamily="50" charset="-128"/>
                 <a:ea typeface="Meiryo UI" panose="020B0604030504040204" pitchFamily="50" charset="-128"/>
               </a:endParaRPr>
@@ -10914,8 +10914,8 @@
         </p:nvSpPr>
         <p:spPr bwMode="auto">
           <a:xfrm rot="16200000">
-            <a:off x="11220722" y="2985452"/>
-            <a:ext cx="441665" cy="3895708"/>
+            <a:off x="11174347" y="2790667"/>
+            <a:ext cx="534415" cy="4285279"/>
           </a:xfrm>
           <a:prstGeom prst="rect">
             <a:avLst/>
@@ -10949,13 +10949,13 @@
               </a:spcBef>
             </a:pPr>
             <a:r>
-              <a:rPr lang="en-US" altLang="ja-JP" dirty="0" smtClean="0">
+              <a:rPr lang="en-US" altLang="ja-JP" sz="2400" dirty="0" smtClean="0">
                 <a:latin typeface="Meiryo UI" panose="020B0604030504040204" pitchFamily="50" charset="-128"/>
                 <a:ea typeface="Meiryo UI" panose="020B0604030504040204" pitchFamily="50" charset="-128"/>
               </a:rPr>
               <a:t>North I/O Subsystem (IOS)</a:t>
             </a:r>
-            <a:endParaRPr kumimoji="1" lang="ja-JP" altLang="en-US" dirty="0" smtClean="0">
+            <a:endParaRPr kumimoji="1" lang="ja-JP" altLang="en-US" sz="2400" dirty="0" smtClean="0">
               <a:latin typeface="Meiryo UI" panose="020B0604030504040204" pitchFamily="50" charset="-128"/>
               <a:ea typeface="Meiryo UI" panose="020B0604030504040204" pitchFamily="50" charset="-128"/>
             </a:endParaRPr>
@@ -10970,8 +10970,8 @@
         </p:nvSpPr>
         <p:spPr bwMode="auto">
           <a:xfrm rot="16200000">
-            <a:off x="12611585" y="11075382"/>
-            <a:ext cx="441665" cy="3895708"/>
+            <a:off x="12565210" y="10880597"/>
+            <a:ext cx="534415" cy="4285279"/>
           </a:xfrm>
           <a:prstGeom prst="rect">
             <a:avLst/>
@@ -11005,13 +11005,13 @@
               </a:spcBef>
             </a:pPr>
             <a:r>
-              <a:rPr lang="en-US" altLang="ja-JP" dirty="0" smtClean="0">
+              <a:rPr lang="en-US" altLang="ja-JP" sz="2400" dirty="0" smtClean="0">
                 <a:latin typeface="Meiryo UI" panose="020B0604030504040204" pitchFamily="50" charset="-128"/>
                 <a:ea typeface="Meiryo UI" panose="020B0604030504040204" pitchFamily="50" charset="-128"/>
               </a:rPr>
               <a:t>South I/O Subsystem (IOS)</a:t>
             </a:r>
-            <a:endParaRPr kumimoji="1" lang="ja-JP" altLang="en-US" dirty="0" smtClean="0">
+            <a:endParaRPr kumimoji="1" lang="ja-JP" altLang="en-US" sz="2400" dirty="0" smtClean="0">
               <a:latin typeface="Meiryo UI" panose="020B0604030504040204" pitchFamily="50" charset="-128"/>
               <a:ea typeface="Meiryo UI" panose="020B0604030504040204" pitchFamily="50" charset="-128"/>
             </a:endParaRPr>
@@ -11026,8 +11026,8 @@
         </p:nvSpPr>
         <p:spPr bwMode="auto">
           <a:xfrm>
-            <a:off x="15962589" y="6301245"/>
-            <a:ext cx="441665" cy="3895708"/>
+            <a:off x="15916214" y="6106460"/>
+            <a:ext cx="534415" cy="4285279"/>
           </a:xfrm>
           <a:prstGeom prst="rect">
             <a:avLst/>
@@ -11061,13 +11061,13 @@
               </a:spcBef>
             </a:pPr>
             <a:r>
-              <a:rPr lang="en-US" altLang="ja-JP" dirty="0" smtClean="0">
+              <a:rPr lang="en-US" altLang="ja-JP" sz="2400" dirty="0" smtClean="0">
                 <a:latin typeface="Meiryo UI" panose="020B0604030504040204" pitchFamily="50" charset="-128"/>
                 <a:ea typeface="Meiryo UI" panose="020B0604030504040204" pitchFamily="50" charset="-128"/>
               </a:rPr>
               <a:t>East I/O Subsystem (IOS)</a:t>
             </a:r>
-            <a:endParaRPr kumimoji="1" lang="ja-JP" altLang="en-US" dirty="0" smtClean="0">
+            <a:endParaRPr kumimoji="1" lang="ja-JP" altLang="en-US" sz="2400" dirty="0" smtClean="0">
               <a:latin typeface="Meiryo UI" panose="020B0604030504040204" pitchFamily="50" charset="-128"/>
               <a:ea typeface="Meiryo UI" panose="020B0604030504040204" pitchFamily="50" charset="-128"/>
             </a:endParaRPr>
@@ -11082,8 +11082,8 @@
         </p:nvSpPr>
         <p:spPr bwMode="auto">
           <a:xfrm rot="10800000">
-            <a:off x="7893177" y="7725254"/>
-            <a:ext cx="441665" cy="3895708"/>
+            <a:off x="7846802" y="7530469"/>
+            <a:ext cx="534415" cy="4285279"/>
           </a:xfrm>
           <a:prstGeom prst="rect">
             <a:avLst/>
@@ -11117,13 +11117,13 @@
               </a:spcBef>
             </a:pPr>
             <a:r>
-              <a:rPr lang="en-US" altLang="ja-JP" dirty="0" smtClean="0">
+              <a:rPr lang="en-US" altLang="ja-JP" sz="2400" dirty="0" smtClean="0">
                 <a:latin typeface="Meiryo UI" panose="020B0604030504040204" pitchFamily="50" charset="-128"/>
                 <a:ea typeface="Meiryo UI" panose="020B0604030504040204" pitchFamily="50" charset="-128"/>
               </a:rPr>
               <a:t>West I/O Subsystem (IOS)</a:t>
             </a:r>
-            <a:endParaRPr kumimoji="1" lang="ja-JP" altLang="en-US" dirty="0" smtClean="0">
+            <a:endParaRPr kumimoji="1" lang="ja-JP" altLang="en-US" sz="2400" dirty="0" smtClean="0">
               <a:latin typeface="Meiryo UI" panose="020B0604030504040204" pitchFamily="50" charset="-128"/>
               <a:ea typeface="Meiryo UI" panose="020B0604030504040204" pitchFamily="50" charset="-128"/>
             </a:endParaRPr>
@@ -11898,7 +11898,7 @@
           <a:p>
             <a:pPr algn="ctr"/>
             <a:r>
-              <a:rPr lang="en-US" altLang="ja-JP" sz="2000" b="1" kern="0" dirty="0">
+              <a:rPr lang="en-US" altLang="ja-JP" sz="2400" b="1" kern="0" dirty="0">
                 <a:solidFill>
                   <a:schemeClr val="tx1"/>
                 </a:solidFill>
@@ -12179,7 +12179,7 @@
             <a:extLst/>
           </p:spPr>
           <p:txBody>
-            <a:bodyPr vert="horz" wrap="square" lIns="72000" tIns="45721" rIns="72000" bIns="45721" numCol="1" anchor="ctr" anchorCtr="0" compatLnSpc="1">
+            <a:bodyPr vert="horz" wrap="none" lIns="72000" tIns="45721" rIns="72000" bIns="45721" numCol="1" anchor="ctr" anchorCtr="0" compatLnSpc="1">
               <a:prstTxWarp prst="textNoShape">
                 <a:avLst/>
               </a:prstTxWarp>
@@ -12333,7 +12333,7 @@
             <a:p>
               <a:pPr algn="ctr"/>
               <a:r>
-                <a:rPr lang="en-US" altLang="ja-JP" sz="2000" b="1" kern="0" dirty="0">
+                <a:rPr lang="en-US" altLang="ja-JP" sz="2100" b="1" kern="0" dirty="0">
                   <a:solidFill>
                     <a:schemeClr val="tx1"/>
                   </a:solidFill>
@@ -12343,7 +12343,7 @@
                 <a:t>IC: </a:t>
               </a:r>
               <a:r>
-                <a:rPr lang="en-US" altLang="ja-JP" sz="2000" b="1" kern="0" dirty="0" smtClean="0">
+                <a:rPr lang="en-US" altLang="ja-JP" sz="2100" b="1" kern="0" dirty="0" smtClean="0">
                   <a:solidFill>
                     <a:schemeClr val="tx1"/>
                   </a:solidFill>
@@ -12352,7 +12352,7 @@
                 </a:rPr>
                 <a:t>8KB</a:t>
               </a:r>
-              <a:endParaRPr lang="en-US" altLang="ja-JP" sz="2000" b="1" kern="0" dirty="0">
+              <a:endParaRPr lang="en-US" altLang="ja-JP" sz="2100" b="1" kern="0" dirty="0">
                 <a:solidFill>
                   <a:schemeClr val="tx1"/>
                 </a:solidFill>
@@ -12393,7 +12393,7 @@
             <a:extLst/>
           </p:spPr>
           <p:txBody>
-            <a:bodyPr vert="horz" wrap="square" lIns="36000" tIns="45721" rIns="36000" bIns="45721" numCol="1" anchor="ctr" anchorCtr="0" compatLnSpc="1">
+            <a:bodyPr vert="horz" wrap="none" lIns="36000" tIns="45721" rIns="36000" bIns="45721" numCol="1" anchor="ctr" anchorCtr="0" compatLnSpc="1">
               <a:prstTxWarp prst="textNoShape">
                 <a:avLst/>
               </a:prstTxWarp>
@@ -12547,14 +12547,47 @@
             <a:p>
               <a:pPr algn="ctr"/>
               <a:r>
-                <a:rPr lang="en-US" altLang="ja-JP" sz="2000" b="1" kern="0" dirty="0">
+                <a:rPr lang="en-US" altLang="ja-JP" sz="2100" b="1" kern="0" dirty="0">
                   <a:solidFill>
                     <a:schemeClr val="tx1"/>
                   </a:solidFill>
                   <a:latin typeface="Meiryo UI" panose="020B0604030504040204" pitchFamily="50" charset="-128"/>
                   <a:ea typeface="Meiryo UI" panose="020B0604030504040204" pitchFamily="50" charset="-128"/>
                 </a:rPr>
-                <a:t>IO core 1</a:t>
+                <a:t>IO </a:t>
+              </a:r>
+              <a:r>
+                <a:rPr lang="en-US" altLang="ja-JP" sz="2100" b="1" kern="0" dirty="0" smtClean="0">
+                  <a:solidFill>
+                    <a:schemeClr val="tx1"/>
+                  </a:solidFill>
+                  <a:latin typeface="Meiryo UI" panose="020B0604030504040204" pitchFamily="50" charset="-128"/>
+                  <a:ea typeface="Meiryo UI" panose="020B0604030504040204" pitchFamily="50" charset="-128"/>
+                </a:rPr>
+                <a:t>core</a:t>
+              </a:r>
+            </a:p>
+            <a:p>
+              <a:pPr algn="ctr"/>
+              <a:r>
+                <a:rPr lang="en-US" altLang="ja-JP" sz="2100" b="1" kern="0" dirty="0" smtClean="0">
+                  <a:solidFill>
+                    <a:schemeClr val="tx1"/>
+                  </a:solidFill>
+                  <a:latin typeface="Meiryo UI" panose="020B0604030504040204" pitchFamily="50" charset="-128"/>
+                  <a:ea typeface="Meiryo UI" panose="020B0604030504040204" pitchFamily="50" charset="-128"/>
+                </a:rPr>
+                <a:t> </a:t>
+              </a:r>
+              <a:r>
+                <a:rPr lang="en-US" altLang="ja-JP" sz="2100" b="1" kern="0" dirty="0">
+                  <a:solidFill>
+                    <a:schemeClr val="tx1"/>
+                  </a:solidFill>
+                  <a:latin typeface="Meiryo UI" panose="020B0604030504040204" pitchFamily="50" charset="-128"/>
+                  <a:ea typeface="Meiryo UI" panose="020B0604030504040204" pitchFamily="50" charset="-128"/>
+                </a:rPr>
+                <a:t>1</a:t>
               </a:r>
             </a:p>
           </p:txBody>
@@ -12745,7 +12778,7 @@
           <a:p>
             <a:pPr algn="ctr"/>
             <a:r>
-              <a:rPr lang="en-US" altLang="ja-JP" sz="2000" b="1" kern="0" dirty="0">
+              <a:rPr lang="en-US" altLang="ja-JP" sz="2400" b="1" kern="0" dirty="0">
                 <a:solidFill>
                   <a:schemeClr val="tx1"/>
                 </a:solidFill>
@@ -12755,7 +12788,7 @@
               <a:t>IO SMEM (SRAM: </a:t>
             </a:r>
             <a:r>
-              <a:rPr lang="en-US" altLang="ja-JP" sz="2000" b="1" kern="0" dirty="0" smtClean="0">
+              <a:rPr lang="en-US" altLang="ja-JP" sz="2400" b="1" kern="0" dirty="0" smtClean="0">
                 <a:solidFill>
                   <a:schemeClr val="tx1"/>
                 </a:solidFill>
@@ -12765,7 +12798,7 @@
               <a:t>2MB</a:t>
             </a:r>
             <a:r>
-              <a:rPr lang="en-US" altLang="ja-JP" sz="2000" b="1" kern="0" dirty="0">
+              <a:rPr lang="en-US" altLang="ja-JP" sz="2400" b="1" kern="0" dirty="0">
                 <a:solidFill>
                   <a:schemeClr val="tx1"/>
                 </a:solidFill>
@@ -12822,7 +12855,7 @@
             <a:extLst/>
           </p:spPr>
           <p:txBody>
-            <a:bodyPr vert="horz" wrap="square" lIns="72000" tIns="45721" rIns="72000" bIns="45721" numCol="1" anchor="ctr" anchorCtr="0" compatLnSpc="1">
+            <a:bodyPr vert="horz" wrap="none" lIns="72000" tIns="45721" rIns="72000" bIns="45721" numCol="1" anchor="ctr" anchorCtr="0" compatLnSpc="1">
               <a:prstTxWarp prst="textNoShape">
                 <a:avLst/>
               </a:prstTxWarp>
@@ -12976,7 +13009,7 @@
             <a:p>
               <a:pPr algn="ctr"/>
               <a:r>
-                <a:rPr lang="en-US" altLang="ja-JP" sz="2000" b="1" kern="0" dirty="0">
+                <a:rPr lang="en-US" altLang="ja-JP" sz="2100" b="1" kern="0" dirty="0">
                   <a:solidFill>
                     <a:schemeClr val="tx1"/>
                   </a:solidFill>
@@ -13173,7 +13206,7 @@
             <a:p>
               <a:pPr algn="ctr"/>
               <a:r>
-                <a:rPr lang="en-US" altLang="ja-JP" sz="2000" b="1" kern="0" dirty="0">
+                <a:rPr lang="en-US" altLang="ja-JP" sz="2100" b="1" kern="0" dirty="0">
                   <a:solidFill>
                     <a:schemeClr val="tx1"/>
                   </a:solidFill>
@@ -13186,7 +13219,7 @@
             <a:p>
               <a:pPr algn="ctr"/>
               <a:r>
-                <a:rPr lang="en-US" altLang="ja-JP" sz="2000" b="1" kern="0" dirty="0">
+                <a:rPr lang="en-US" altLang="ja-JP" sz="2100" b="1" kern="0" dirty="0">
                   <a:solidFill>
                     <a:schemeClr val="tx1"/>
                   </a:solidFill>
@@ -13244,7 +13277,7 @@
             <a:extLst/>
           </p:spPr>
           <p:txBody>
-            <a:bodyPr vert="horz" wrap="square" lIns="72000" tIns="45721" rIns="72000" bIns="45721" numCol="1" anchor="ctr" anchorCtr="0" compatLnSpc="1">
+            <a:bodyPr vert="horz" wrap="none" lIns="72000" tIns="45721" rIns="72000" bIns="45721" numCol="1" anchor="ctr" anchorCtr="0" compatLnSpc="1">
               <a:prstTxWarp prst="textNoShape">
                 <a:avLst/>
               </a:prstTxWarp>
@@ -13398,7 +13431,7 @@
             <a:p>
               <a:pPr algn="ctr"/>
               <a:r>
-                <a:rPr lang="en-US" altLang="ja-JP" sz="2000" b="1" kern="0" dirty="0">
+                <a:rPr lang="en-US" altLang="ja-JP" sz="2100" b="1" kern="0" dirty="0">
                   <a:solidFill>
                     <a:schemeClr val="tx1"/>
                   </a:solidFill>
@@ -13441,7 +13474,7 @@
             <a:extLst/>
           </p:spPr>
           <p:txBody>
-            <a:bodyPr vert="horz" wrap="square" lIns="36000" tIns="45721" rIns="36000" bIns="45721" numCol="1" anchor="ctr" anchorCtr="0" compatLnSpc="1">
+            <a:bodyPr vert="horz" wrap="none" lIns="36000" tIns="45721" rIns="36000" bIns="45721" numCol="1" anchor="ctr" anchorCtr="0" compatLnSpc="1">
               <a:prstTxWarp prst="textNoShape">
                 <a:avLst/>
               </a:prstTxWarp>
@@ -13595,7 +13628,7 @@
             <a:p>
               <a:pPr algn="ctr"/>
               <a:r>
-                <a:rPr lang="en-US" altLang="ja-JP" sz="2000" b="1" kern="0" dirty="0">
+                <a:rPr lang="en-US" altLang="ja-JP" sz="2100" b="1" kern="0" dirty="0">
                   <a:solidFill>
                     <a:schemeClr val="tx1"/>
                   </a:solidFill>
@@ -13608,7 +13641,7 @@
             <a:p>
               <a:pPr algn="ctr"/>
               <a:r>
-                <a:rPr lang="en-US" altLang="ja-JP" sz="2000" b="1" kern="0" dirty="0">
+                <a:rPr lang="en-US" altLang="ja-JP" sz="2100" b="1" kern="0" dirty="0">
                   <a:solidFill>
                     <a:schemeClr val="tx1"/>
                   </a:solidFill>
@@ -13666,7 +13699,7 @@
             <a:extLst/>
           </p:spPr>
           <p:txBody>
-            <a:bodyPr vert="horz" wrap="square" lIns="72000" tIns="45721" rIns="72000" bIns="45721" numCol="1" anchor="ctr" anchorCtr="0" compatLnSpc="1">
+            <a:bodyPr vert="horz" wrap="none" lIns="72000" tIns="45721" rIns="72000" bIns="45721" numCol="1" anchor="ctr" anchorCtr="0" compatLnSpc="1">
               <a:prstTxWarp prst="textNoShape">
                 <a:avLst/>
               </a:prstTxWarp>
@@ -13820,7 +13853,7 @@
             <a:p>
               <a:pPr algn="ctr"/>
               <a:r>
-                <a:rPr lang="en-US" altLang="ja-JP" sz="2000" b="1" kern="0" dirty="0">
+                <a:rPr lang="en-US" altLang="ja-JP" sz="2100" b="1" kern="0" dirty="0">
                   <a:solidFill>
                     <a:schemeClr val="tx1"/>
                   </a:solidFill>
@@ -13863,7 +13896,7 @@
             <a:extLst/>
           </p:spPr>
           <p:txBody>
-            <a:bodyPr vert="horz" wrap="square" lIns="36000" tIns="45721" rIns="36000" bIns="45721" numCol="1" anchor="ctr" anchorCtr="0" compatLnSpc="1">
+            <a:bodyPr vert="horz" wrap="none" lIns="36000" tIns="45721" rIns="36000" bIns="45721" numCol="1" anchor="ctr" anchorCtr="0" compatLnSpc="1">
               <a:prstTxWarp prst="textNoShape">
                 <a:avLst/>
               </a:prstTxWarp>
@@ -14017,7 +14050,7 @@
             <a:p>
               <a:pPr algn="ctr"/>
               <a:r>
-                <a:rPr lang="en-US" altLang="ja-JP" sz="2000" b="1" kern="0" dirty="0">
+                <a:rPr lang="en-US" altLang="ja-JP" sz="2100" b="1" kern="0" dirty="0">
                   <a:solidFill>
                     <a:schemeClr val="tx1"/>
                   </a:solidFill>
@@ -14030,7 +14063,7 @@
             <a:p>
               <a:pPr algn="ctr"/>
               <a:r>
-                <a:rPr lang="en-US" altLang="ja-JP" sz="2000" b="1" kern="0" dirty="0">
+                <a:rPr lang="en-US" altLang="ja-JP" sz="2100" b="1" kern="0" dirty="0">
                   <a:solidFill>
                     <a:schemeClr val="tx1"/>
                   </a:solidFill>
@@ -14321,12 +14354,12 @@
             </a:fontRef>
           </p:style>
           <p:txBody>
-            <a:bodyPr lIns="0" tIns="0" rIns="0" bIns="0" rtlCol="0" anchor="ctr"/>
+            <a:bodyPr wrap="none" lIns="0" tIns="0" rIns="0" bIns="0" rtlCol="0" anchor="ctr"/>
             <a:lstStyle/>
             <a:p>
               <a:pPr algn="ctr"/>
               <a:r>
-                <a:rPr lang="en-US" altLang="ja-JP" sz="1400" b="1" dirty="0">
+                <a:rPr lang="en-US" altLang="ja-JP" b="1" dirty="0">
                   <a:solidFill>
                     <a:schemeClr val="tx1"/>
                   </a:solidFill>
@@ -14339,7 +14372,7 @@
             <a:p>
               <a:pPr algn="ctr"/>
               <a:r>
-                <a:rPr lang="en-US" altLang="ja-JP" sz="1400" b="1" dirty="0">
+                <a:rPr lang="en-US" altLang="ja-JP" b="1" dirty="0">
                   <a:solidFill>
                     <a:schemeClr val="tx1"/>
                   </a:solidFill>
@@ -14348,7 +14381,7 @@
                 </a:rPr>
                 <a:t>Router</a:t>
               </a:r>
-              <a:endParaRPr lang="ja-JP" altLang="en-US" sz="1400" b="1" dirty="0">
+              <a:endParaRPr lang="ja-JP" altLang="en-US" b="1" dirty="0">
                 <a:solidFill>
                   <a:schemeClr val="tx1"/>
                 </a:solidFill>
@@ -15454,12 +15487,12 @@
             </a:fontRef>
           </p:style>
           <p:txBody>
-            <a:bodyPr lIns="0" tIns="0" rIns="0" bIns="0" rtlCol="0" anchor="ctr"/>
+            <a:bodyPr wrap="none" lIns="0" tIns="0" rIns="0" bIns="0" rtlCol="0" anchor="ctr"/>
             <a:lstStyle/>
             <a:p>
               <a:pPr algn="ctr"/>
               <a:r>
-                <a:rPr lang="en-US" altLang="ja-JP" sz="1400" b="1" dirty="0">
+                <a:rPr lang="en-US" altLang="ja-JP" b="1" dirty="0">
                   <a:solidFill>
                     <a:schemeClr val="tx1"/>
                   </a:solidFill>
@@ -15472,7 +15505,7 @@
             <a:p>
               <a:pPr algn="ctr"/>
               <a:r>
-                <a:rPr lang="en-US" altLang="ja-JP" sz="1400" b="1" dirty="0">
+                <a:rPr lang="en-US" altLang="ja-JP" b="1" dirty="0">
                   <a:solidFill>
                     <a:schemeClr val="tx1"/>
                   </a:solidFill>
@@ -15481,7 +15514,7 @@
                 </a:rPr>
                 <a:t>Router</a:t>
               </a:r>
-              <a:endParaRPr lang="ja-JP" altLang="en-US" sz="1400" b="1" dirty="0">
+              <a:endParaRPr lang="ja-JP" altLang="en-US" b="1" dirty="0">
                 <a:solidFill>
                   <a:schemeClr val="tx1"/>
                 </a:solidFill>
@@ -16587,12 +16620,12 @@
             </a:fontRef>
           </p:style>
           <p:txBody>
-            <a:bodyPr lIns="0" tIns="0" rIns="0" bIns="0" rtlCol="0" anchor="ctr"/>
+            <a:bodyPr wrap="none" lIns="0" tIns="0" rIns="0" bIns="0" rtlCol="0" anchor="ctr"/>
             <a:lstStyle/>
             <a:p>
               <a:pPr algn="ctr"/>
               <a:r>
-                <a:rPr lang="en-US" altLang="ja-JP" sz="1400" b="1" dirty="0">
+                <a:rPr lang="en-US" altLang="ja-JP" b="1" dirty="0">
                   <a:solidFill>
                     <a:schemeClr val="tx1"/>
                   </a:solidFill>
@@ -16605,7 +16638,7 @@
             <a:p>
               <a:pPr algn="ctr"/>
               <a:r>
-                <a:rPr lang="en-US" altLang="ja-JP" sz="1400" b="1" dirty="0">
+                <a:rPr lang="en-US" altLang="ja-JP" b="1" dirty="0">
                   <a:solidFill>
                     <a:schemeClr val="tx1"/>
                   </a:solidFill>
@@ -16614,7 +16647,7 @@
                 </a:rPr>
                 <a:t>Router</a:t>
               </a:r>
-              <a:endParaRPr lang="ja-JP" altLang="en-US" sz="1400" b="1" dirty="0">
+              <a:endParaRPr lang="ja-JP" altLang="en-US" b="1" dirty="0">
                 <a:solidFill>
                   <a:schemeClr val="tx1"/>
                 </a:solidFill>
@@ -17720,12 +17753,12 @@
             </a:fontRef>
           </p:style>
           <p:txBody>
-            <a:bodyPr lIns="0" tIns="0" rIns="0" bIns="0" rtlCol="0" anchor="ctr"/>
+            <a:bodyPr wrap="none" lIns="0" tIns="0" rIns="0" bIns="0" rtlCol="0" anchor="ctr"/>
             <a:lstStyle/>
             <a:p>
               <a:pPr algn="ctr"/>
               <a:r>
-                <a:rPr lang="en-US" altLang="ja-JP" sz="1400" b="1" dirty="0">
+                <a:rPr lang="en-US" altLang="ja-JP" b="1" dirty="0">
                   <a:solidFill>
                     <a:schemeClr val="tx1"/>
                   </a:solidFill>
@@ -17738,7 +17771,7 @@
             <a:p>
               <a:pPr algn="ctr"/>
               <a:r>
-                <a:rPr lang="en-US" altLang="ja-JP" sz="1400" b="1" dirty="0">
+                <a:rPr lang="en-US" altLang="ja-JP" b="1" dirty="0">
                   <a:solidFill>
                     <a:schemeClr val="tx1"/>
                   </a:solidFill>
@@ -17747,7 +17780,7 @@
                 </a:rPr>
                 <a:t>Router</a:t>
               </a:r>
-              <a:endParaRPr lang="ja-JP" altLang="en-US" sz="1400" b="1" dirty="0">
+              <a:endParaRPr lang="ja-JP" altLang="en-US" b="1" dirty="0">
                 <a:solidFill>
                   <a:schemeClr val="tx1"/>
                 </a:solidFill>
@@ -19061,7 +19094,7 @@
             <a:p>
               <a:pPr algn="ctr"/>
               <a:r>
-                <a:rPr lang="en-US" altLang="ja-JP" sz="1200" b="1" kern="0" dirty="0">
+                <a:rPr lang="en-US" altLang="ja-JP" sz="1600" b="1" kern="0" dirty="0">
                   <a:solidFill>
                     <a:schemeClr val="tx1"/>
                   </a:solidFill>
@@ -19268,7 +19301,7 @@
             <a:p>
               <a:pPr algn="ctr"/>
               <a:r>
-                <a:rPr lang="en-US" altLang="ja-JP" sz="1200" b="1" kern="0" dirty="0">
+                <a:rPr lang="en-US" altLang="ja-JP" sz="1600" b="1" kern="0" dirty="0">
                   <a:solidFill>
                     <a:schemeClr val="tx1"/>
                   </a:solidFill>
@@ -19760,7 +19793,7 @@
             <a:p>
               <a:pPr algn="ctr"/>
               <a:r>
-                <a:rPr lang="en-US" altLang="ja-JP" sz="1200" b="1" kern="0" dirty="0">
+                <a:rPr lang="en-US" altLang="ja-JP" sz="1600" b="1" kern="0" dirty="0">
                   <a:solidFill>
                     <a:schemeClr val="tx1"/>
                   </a:solidFill>
@@ -19972,7 +20005,7 @@
             <a:p>
               <a:pPr algn="ctr"/>
               <a:r>
-                <a:rPr lang="en-US" altLang="ja-JP" sz="1200" b="1" kern="0" dirty="0">
+                <a:rPr lang="en-US" altLang="ja-JP" sz="1600" b="1" kern="0" dirty="0">
                   <a:solidFill>
                     <a:schemeClr val="tx1"/>
                   </a:solidFill>
@@ -20464,7 +20497,7 @@
             <a:p>
               <a:pPr algn="ctr"/>
               <a:r>
-                <a:rPr lang="en-US" altLang="ja-JP" sz="1200" b="1" kern="0" dirty="0">
+                <a:rPr lang="en-US" altLang="ja-JP" sz="1600" b="1" kern="0" dirty="0">
                   <a:solidFill>
                     <a:schemeClr val="tx1"/>
                   </a:solidFill>
@@ -20676,7 +20709,7 @@
             <a:p>
               <a:pPr algn="ctr"/>
               <a:r>
-                <a:rPr lang="en-US" altLang="ja-JP" sz="1200" b="1" kern="0" dirty="0">
+                <a:rPr lang="en-US" altLang="ja-JP" sz="1600" b="1" kern="0" dirty="0">
                   <a:solidFill>
                     <a:schemeClr val="tx1"/>
                   </a:solidFill>
@@ -21168,7 +21201,7 @@
             <a:p>
               <a:pPr algn="ctr"/>
               <a:r>
-                <a:rPr lang="en-US" altLang="ja-JP" sz="1200" b="1" kern="0" dirty="0">
+                <a:rPr lang="en-US" altLang="ja-JP" sz="1600" b="1" kern="0" dirty="0">
                   <a:solidFill>
                     <a:schemeClr val="tx1"/>
                   </a:solidFill>
@@ -21380,7 +21413,7 @@
             <a:p>
               <a:pPr algn="ctr"/>
               <a:r>
-                <a:rPr lang="en-US" altLang="ja-JP" sz="1200" b="1" kern="0" dirty="0">
+                <a:rPr lang="en-US" altLang="ja-JP" sz="1600" b="1" kern="0" dirty="0">
                   <a:solidFill>
                     <a:schemeClr val="tx1"/>
                   </a:solidFill>
@@ -21872,7 +21905,7 @@
             <a:p>
               <a:pPr algn="ctr"/>
               <a:r>
-                <a:rPr lang="en-US" altLang="ja-JP" sz="1200" b="1" kern="0" dirty="0">
+                <a:rPr lang="en-US" altLang="ja-JP" sz="1600" b="1" kern="0" dirty="0">
                   <a:solidFill>
                     <a:schemeClr val="tx1"/>
                   </a:solidFill>
@@ -22084,7 +22117,7 @@
             <a:p>
               <a:pPr algn="ctr"/>
               <a:r>
-                <a:rPr lang="en-US" altLang="ja-JP" sz="1200" b="1" kern="0" dirty="0">
+                <a:rPr lang="en-US" altLang="ja-JP" sz="1600" b="1" kern="0" dirty="0">
                   <a:solidFill>
                     <a:schemeClr val="tx1"/>
                   </a:solidFill>
@@ -22576,7 +22609,7 @@
             <a:p>
               <a:pPr algn="ctr"/>
               <a:r>
-                <a:rPr lang="en-US" altLang="ja-JP" sz="1200" b="1" kern="0" dirty="0">
+                <a:rPr lang="en-US" altLang="ja-JP" sz="1600" b="1" kern="0" dirty="0">
                   <a:solidFill>
                     <a:schemeClr val="tx1"/>
                   </a:solidFill>
@@ -22788,7 +22821,7 @@
             <a:p>
               <a:pPr algn="ctr"/>
               <a:r>
-                <a:rPr lang="en-US" altLang="ja-JP" sz="1200" b="1" kern="0" dirty="0">
+                <a:rPr lang="en-US" altLang="ja-JP" sz="1600" b="1" kern="0" dirty="0">
                   <a:solidFill>
                     <a:schemeClr val="tx1"/>
                   </a:solidFill>
@@ -23280,7 +23313,7 @@
             <a:p>
               <a:pPr algn="ctr"/>
               <a:r>
-                <a:rPr lang="en-US" altLang="ja-JP" sz="1200" b="1" kern="0" dirty="0">
+                <a:rPr lang="en-US" altLang="ja-JP" sz="1600" b="1" kern="0" dirty="0">
                   <a:solidFill>
                     <a:schemeClr val="tx1"/>
                   </a:solidFill>
@@ -23492,7 +23525,7 @@
             <a:p>
               <a:pPr algn="ctr"/>
               <a:r>
-                <a:rPr lang="en-US" altLang="ja-JP" sz="1200" b="1" kern="0" dirty="0">
+                <a:rPr lang="en-US" altLang="ja-JP" sz="1600" b="1" kern="0" dirty="0">
                   <a:solidFill>
                     <a:schemeClr val="tx1"/>
                   </a:solidFill>
@@ -23984,7 +24017,7 @@
             <a:p>
               <a:pPr algn="ctr"/>
               <a:r>
-                <a:rPr lang="en-US" altLang="ja-JP" sz="1200" b="1" kern="0" dirty="0">
+                <a:rPr lang="en-US" altLang="ja-JP" sz="1600" b="1" kern="0" dirty="0">
                   <a:solidFill>
                     <a:schemeClr val="tx1"/>
                   </a:solidFill>
@@ -24196,7 +24229,7 @@
             <a:p>
               <a:pPr algn="ctr"/>
               <a:r>
-                <a:rPr lang="en-US" altLang="ja-JP" sz="1200" b="1" kern="0" dirty="0">
+                <a:rPr lang="en-US" altLang="ja-JP" sz="1600" b="1" kern="0" dirty="0">
                   <a:solidFill>
                     <a:schemeClr val="tx1"/>
                   </a:solidFill>
@@ -24703,7 +24736,7 @@
             <a:p>
               <a:pPr algn="ctr"/>
               <a:r>
-                <a:rPr lang="en-US" altLang="ja-JP" sz="1200" b="1" kern="0" dirty="0">
+                <a:rPr lang="en-US" altLang="ja-JP" sz="1600" b="1" kern="0" dirty="0">
                   <a:solidFill>
                     <a:schemeClr val="tx1"/>
                   </a:solidFill>
@@ -24915,7 +24948,7 @@
             <a:p>
               <a:pPr algn="ctr"/>
               <a:r>
-                <a:rPr lang="en-US" altLang="ja-JP" sz="1200" b="1" kern="0" dirty="0">
+                <a:rPr lang="en-US" altLang="ja-JP" sz="1600" b="1" kern="0" dirty="0">
                   <a:solidFill>
                     <a:schemeClr val="tx1"/>
                   </a:solidFill>
@@ -25407,7 +25440,7 @@
             <a:p>
               <a:pPr algn="ctr"/>
               <a:r>
-                <a:rPr lang="en-US" altLang="ja-JP" sz="1200" b="1" kern="0" dirty="0">
+                <a:rPr lang="en-US" altLang="ja-JP" sz="1600" b="1" kern="0" dirty="0">
                   <a:solidFill>
                     <a:schemeClr val="tx1"/>
                   </a:solidFill>
@@ -25619,7 +25652,7 @@
             <a:p>
               <a:pPr algn="ctr"/>
               <a:r>
-                <a:rPr lang="en-US" altLang="ja-JP" sz="1200" b="1" kern="0" dirty="0">
+                <a:rPr lang="en-US" altLang="ja-JP" sz="1600" b="1" kern="0" dirty="0">
                   <a:solidFill>
                     <a:schemeClr val="tx1"/>
                   </a:solidFill>
@@ -26111,7 +26144,7 @@
             <a:p>
               <a:pPr algn="ctr"/>
               <a:r>
-                <a:rPr lang="en-US" altLang="ja-JP" sz="1200" b="1" kern="0" dirty="0">
+                <a:rPr lang="en-US" altLang="ja-JP" sz="1600" b="1" kern="0" dirty="0">
                   <a:solidFill>
                     <a:schemeClr val="tx1"/>
                   </a:solidFill>
@@ -26323,7 +26356,7 @@
             <a:p>
               <a:pPr algn="ctr"/>
               <a:r>
-                <a:rPr lang="en-US" altLang="ja-JP" sz="1200" b="1" kern="0" dirty="0">
+                <a:rPr lang="en-US" altLang="ja-JP" sz="1600" b="1" kern="0" dirty="0">
                   <a:solidFill>
                     <a:schemeClr val="tx1"/>
                   </a:solidFill>
@@ -26815,7 +26848,7 @@
             <a:p>
               <a:pPr algn="ctr"/>
               <a:r>
-                <a:rPr lang="en-US" altLang="ja-JP" sz="1200" b="1" kern="0" dirty="0">
+                <a:rPr lang="en-US" altLang="ja-JP" sz="1600" b="1" kern="0" dirty="0">
                   <a:solidFill>
                     <a:schemeClr val="tx1"/>
                   </a:solidFill>
@@ -27027,7 +27060,7 @@
             <a:p>
               <a:pPr algn="ctr"/>
               <a:r>
-                <a:rPr lang="en-US" altLang="ja-JP" sz="1200" b="1" kern="0" dirty="0">
+                <a:rPr lang="en-US" altLang="ja-JP" sz="1600" b="1" kern="0" dirty="0">
                   <a:solidFill>
                     <a:schemeClr val="tx1"/>
                   </a:solidFill>
@@ -27519,7 +27552,7 @@
             <a:p>
               <a:pPr algn="ctr"/>
               <a:r>
-                <a:rPr lang="en-US" altLang="ja-JP" sz="1200" b="1" kern="0" dirty="0">
+                <a:rPr lang="en-US" altLang="ja-JP" sz="1600" b="1" kern="0" dirty="0">
                   <a:solidFill>
                     <a:schemeClr val="tx1"/>
                   </a:solidFill>
@@ -27731,7 +27764,7 @@
             <a:p>
               <a:pPr algn="ctr"/>
               <a:r>
-                <a:rPr lang="en-US" altLang="ja-JP" sz="1200" b="1" kern="0" dirty="0">
+                <a:rPr lang="en-US" altLang="ja-JP" sz="1600" b="1" kern="0" dirty="0">
                   <a:solidFill>
                     <a:schemeClr val="tx1"/>
                   </a:solidFill>
@@ -28223,7 +28256,7 @@
             <a:p>
               <a:pPr algn="ctr"/>
               <a:r>
-                <a:rPr lang="en-US" altLang="ja-JP" sz="1200" b="1" kern="0" dirty="0">
+                <a:rPr lang="en-US" altLang="ja-JP" sz="1600" b="1" kern="0" dirty="0">
                   <a:solidFill>
                     <a:schemeClr val="tx1"/>
                   </a:solidFill>
@@ -28435,7 +28468,7 @@
             <a:p>
               <a:pPr algn="ctr"/>
               <a:r>
-                <a:rPr lang="en-US" altLang="ja-JP" sz="1200" b="1" kern="0" dirty="0">
+                <a:rPr lang="en-US" altLang="ja-JP" sz="1600" b="1" kern="0" dirty="0">
                   <a:solidFill>
                     <a:schemeClr val="tx1"/>
                   </a:solidFill>
@@ -28927,7 +28960,7 @@
             <a:p>
               <a:pPr algn="ctr"/>
               <a:r>
-                <a:rPr lang="en-US" altLang="ja-JP" sz="1200" b="1" kern="0" dirty="0">
+                <a:rPr lang="en-US" altLang="ja-JP" sz="1600" b="1" kern="0" dirty="0">
                   <a:solidFill>
                     <a:schemeClr val="tx1"/>
                   </a:solidFill>
@@ -29139,7 +29172,7 @@
             <a:p>
               <a:pPr algn="ctr"/>
               <a:r>
-                <a:rPr lang="en-US" altLang="ja-JP" sz="1200" b="1" kern="0" dirty="0">
+                <a:rPr lang="en-US" altLang="ja-JP" sz="1600" b="1" kern="0" dirty="0">
                   <a:solidFill>
                     <a:schemeClr val="tx1"/>
                   </a:solidFill>
@@ -29631,7 +29664,7 @@
             <a:p>
               <a:pPr algn="ctr"/>
               <a:r>
-                <a:rPr lang="en-US" altLang="ja-JP" sz="1200" b="1" kern="0" dirty="0">
+                <a:rPr lang="en-US" altLang="ja-JP" sz="1600" b="1" kern="0" dirty="0">
                   <a:solidFill>
                     <a:schemeClr val="tx1"/>
                   </a:solidFill>
@@ -29843,7 +29876,7 @@
             <a:p>
               <a:pPr algn="ctr"/>
               <a:r>
-                <a:rPr lang="en-US" altLang="ja-JP" sz="1200" b="1" kern="0" dirty="0">
+                <a:rPr lang="en-US" altLang="ja-JP" sz="1600" b="1" kern="0" dirty="0">
                   <a:solidFill>
                     <a:schemeClr val="tx1"/>
                   </a:solidFill>
@@ -30342,7 +30375,7 @@
             <a:p>
               <a:pPr algn="ctr"/>
               <a:r>
-                <a:rPr lang="en-US" altLang="ja-JP" sz="1200" b="1" kern="0" dirty="0">
+                <a:rPr lang="en-US" altLang="ja-JP" sz="1600" b="1" kern="0" dirty="0">
                   <a:solidFill>
                     <a:schemeClr val="tx1"/>
                   </a:solidFill>
@@ -30549,7 +30582,7 @@
             <a:p>
               <a:pPr algn="ctr"/>
               <a:r>
-                <a:rPr lang="en-US" altLang="ja-JP" sz="1200" b="1" kern="0" dirty="0">
+                <a:rPr lang="en-US" altLang="ja-JP" sz="1600" b="1" kern="0" dirty="0">
                   <a:solidFill>
                     <a:schemeClr val="tx1"/>
                   </a:solidFill>
@@ -30766,16 +30799,36 @@
             <a:p>
               <a:pPr algn="ctr"/>
               <a:r>
-                <a:rPr lang="en-US" altLang="ja-JP" sz="1600" b="1" kern="0" dirty="0">
+                <a:rPr lang="en-US" altLang="ja-JP" sz="2000" b="1" kern="0" dirty="0">
                   <a:solidFill>
                     <a:schemeClr val="tx1"/>
                   </a:solidFill>
                   <a:latin typeface="Meiryo UI" panose="020B0604030504040204" pitchFamily="50" charset="-128"/>
                   <a:ea typeface="Meiryo UI" panose="020B0604030504040204" pitchFamily="50" charset="-128"/>
                 </a:rPr>
-                <a:t>Resource Manager (RM)</a:t>
+                <a:t>Resource </a:t>
               </a:r>
-              <a:endParaRPr lang="ja-JP" altLang="en-US" sz="1600" b="1" kern="0" dirty="0">
+              <a:endParaRPr lang="en-US" altLang="ja-JP" sz="2000" b="1" kern="0" dirty="0" smtClean="0">
+                <a:solidFill>
+                  <a:schemeClr val="tx1"/>
+                </a:solidFill>
+                <a:latin typeface="Meiryo UI" panose="020B0604030504040204" pitchFamily="50" charset="-128"/>
+                <a:ea typeface="Meiryo UI" panose="020B0604030504040204" pitchFamily="50" charset="-128"/>
+              </a:endParaRPr>
+            </a:p>
+            <a:p>
+              <a:pPr algn="ctr"/>
+              <a:r>
+                <a:rPr lang="en-US" altLang="ja-JP" sz="2000" b="1" kern="0" dirty="0" smtClean="0">
+                  <a:solidFill>
+                    <a:schemeClr val="tx1"/>
+                  </a:solidFill>
+                  <a:latin typeface="Meiryo UI" panose="020B0604030504040204" pitchFamily="50" charset="-128"/>
+                  <a:ea typeface="Meiryo UI" panose="020B0604030504040204" pitchFamily="50" charset="-128"/>
+                </a:rPr>
+                <a:t>Manager(RM)</a:t>
+              </a:r>
+              <a:endParaRPr lang="ja-JP" altLang="en-US" sz="2000" b="1" kern="0" dirty="0">
                 <a:solidFill>
                   <a:schemeClr val="tx1"/>
                 </a:solidFill>
@@ -31088,22 +31141,19 @@
                   <a:latin typeface="Meiryo UI" panose="020B0604030504040204" pitchFamily="50" charset="-128"/>
                   <a:ea typeface="Meiryo UI" panose="020B0604030504040204" pitchFamily="50" charset="-128"/>
                 </a:rPr>
-                <a:t>Support Unit</a:t>
+                <a:t>Support </a:t>
               </a:r>
-            </a:p>
-            <a:p>
-              <a:pPr algn="ctr"/>
               <a:r>
-                <a:rPr lang="en-US" altLang="ja-JP" sz="1600" b="1" kern="0" dirty="0">
+                <a:rPr lang="en-US" altLang="ja-JP" sz="1600" b="1" kern="0" dirty="0" smtClean="0">
                   <a:solidFill>
                     <a:schemeClr val="tx1"/>
                   </a:solidFill>
                   <a:latin typeface="Meiryo UI" panose="020B0604030504040204" pitchFamily="50" charset="-128"/>
                   <a:ea typeface="Meiryo UI" panose="020B0604030504040204" pitchFamily="50" charset="-128"/>
                 </a:rPr>
-                <a:t> (DSU)</a:t>
+                <a:t>Unit</a:t>
               </a:r>
-              <a:endParaRPr lang="ja-JP" altLang="en-US" sz="1600" b="1" kern="0" dirty="0">
+              <a:endParaRPr lang="en-US" altLang="ja-JP" sz="1600" b="1" kern="0" dirty="0">
                 <a:solidFill>
                   <a:schemeClr val="tx1"/>
                 </a:solidFill>
@@ -31168,21 +31218,7 @@
                 <a:latin typeface="Meiryo UI" panose="020B0604030504040204" pitchFamily="50" charset="-128"/>
                 <a:ea typeface="Meiryo UI" panose="020B0604030504040204" pitchFamily="50" charset="-128"/>
               </a:rPr>
-              <a:t>SMEM (SRAM: </a:t>
-            </a:r>
-            <a:r>
-              <a:rPr kumimoji="1" lang="en-US" altLang="ja-JP" b="1" dirty="0" smtClean="0">
-                <a:latin typeface="Meiryo UI" panose="020B0604030504040204" pitchFamily="50" charset="-128"/>
-                <a:ea typeface="Meiryo UI" panose="020B0604030504040204" pitchFamily="50" charset="-128"/>
-              </a:rPr>
-              <a:t>2MB</a:t>
-            </a:r>
-            <a:r>
-              <a:rPr kumimoji="1" lang="en-US" altLang="ja-JP" b="1" dirty="0" smtClean="0">
-                <a:latin typeface="Meiryo UI" panose="020B0604030504040204" pitchFamily="50" charset="-128"/>
-                <a:ea typeface="Meiryo UI" panose="020B0604030504040204" pitchFamily="50" charset="-128"/>
-              </a:rPr>
-              <a:t>)</a:t>
+              <a:t>SMEM (SRAM: 2MB)</a:t>
             </a:r>
             <a:endParaRPr kumimoji="1" lang="ja-JP" altLang="en-US" b="1" dirty="0" smtClean="0">
               <a:latin typeface="Meiryo UI" panose="020B0604030504040204" pitchFamily="50" charset="-128"/>
@@ -32313,7 +32349,7 @@
           </p:nvSpPr>
           <p:spPr>
             <a:xfrm>
-              <a:off x="9940617" y="1222790"/>
+              <a:off x="9940617" y="1222791"/>
               <a:ext cx="818878" cy="818878"/>
             </a:xfrm>
             <a:prstGeom prst="ellipse">
@@ -32345,12 +32381,12 @@
             </a:fontRef>
           </p:style>
           <p:txBody>
-            <a:bodyPr lIns="0" tIns="0" rIns="0" bIns="0" rtlCol="0" anchor="ctr"/>
+            <a:bodyPr wrap="none" lIns="0" tIns="0" rIns="0" bIns="0" rtlCol="0" anchor="ctr"/>
             <a:lstStyle/>
             <a:p>
               <a:pPr algn="ctr"/>
               <a:r>
-                <a:rPr lang="en-US" altLang="ja-JP" sz="1200" b="1" dirty="0">
+                <a:rPr lang="en-US" altLang="ja-JP" sz="1600" b="1" dirty="0">
                   <a:solidFill>
                     <a:schemeClr val="tx1"/>
                   </a:solidFill>
@@ -32363,7 +32399,7 @@
             <a:p>
               <a:pPr algn="ctr"/>
               <a:r>
-                <a:rPr lang="en-US" altLang="ja-JP" sz="1200" b="1" dirty="0">
+                <a:rPr lang="en-US" altLang="ja-JP" sz="1600" b="1" dirty="0">
                   <a:solidFill>
                     <a:schemeClr val="tx1"/>
                   </a:solidFill>
@@ -32372,7 +32408,7 @@
                 </a:rPr>
                 <a:t>Router</a:t>
               </a:r>
-              <a:endParaRPr lang="ja-JP" altLang="en-US" sz="1200" b="1" dirty="0">
+              <a:endParaRPr lang="ja-JP" altLang="en-US" sz="1600" b="1" dirty="0">
                 <a:solidFill>
                   <a:schemeClr val="tx1"/>
                 </a:solidFill>
@@ -33019,6 +33055,8 @@
                 <a:solidFill>
                   <a:schemeClr val="tx1"/>
                 </a:solidFill>
+                <a:latin typeface="Meiryo UI" panose="020B0604030504040204" pitchFamily="50" charset="-128"/>
+                <a:ea typeface="Meiryo UI" panose="020B0604030504040204" pitchFamily="50" charset="-128"/>
               </a:rPr>
               <a:t>IC: Instruction Cache</a:t>
             </a:r>
@@ -33029,6 +33067,8 @@
                 <a:solidFill>
                   <a:schemeClr val="tx1"/>
                 </a:solidFill>
+                <a:latin typeface="Meiryo UI" panose="020B0604030504040204" pitchFamily="50" charset="-128"/>
+                <a:ea typeface="Meiryo UI" panose="020B0604030504040204" pitchFamily="50" charset="-128"/>
               </a:rPr>
               <a:t>DC: Data Cache</a:t>
             </a:r>
@@ -33039,6 +33079,8 @@
                 <a:solidFill>
                   <a:schemeClr val="tx1"/>
                 </a:solidFill>
+                <a:latin typeface="Meiryo UI" panose="020B0604030504040204" pitchFamily="50" charset="-128"/>
+                <a:ea typeface="Meiryo UI" panose="020B0604030504040204" pitchFamily="50" charset="-128"/>
               </a:rPr>
               <a:t>PE: Processing Element</a:t>
             </a:r>
